--- a/Slides/Azure Data Factory Fundamentals Dag 2.pptx
+++ b/Slides/Azure Data Factory Fundamentals Dag 2.pptx
@@ -143,6 +143,48 @@
 </p:presentation>
 </file>
 
+<file path=ppt/changesInfos/changesInfo1.xml><?xml version="1.0" encoding="utf-8"?>
+<pc:chgInfo xmlns:a="http://schemas.openxmlformats.org/drawingml/2006/main" xmlns:r="http://schemas.openxmlformats.org/officeDocument/2006/relationships" xmlns:ac="http://schemas.microsoft.com/office/drawing/2013/main/command" xmlns:pc="http://schemas.microsoft.com/office/powerpoint/2013/main/command">
+  <pc:docChgLst>
+    <pc:chgData name="Jeroen Stork" userId="a67ece4a-3ffe-4d90-9e5a-14e6aaa6fbb3" providerId="ADAL" clId="{A91E9381-2812-4436-A77E-CCA9DEC3EBAB}"/>
+    <pc:docChg chg="modSld">
+      <pc:chgData name="Jeroen Stork" userId="a67ece4a-3ffe-4d90-9e5a-14e6aaa6fbb3" providerId="ADAL" clId="{A91E9381-2812-4436-A77E-CCA9DEC3EBAB}" dt="2023-05-08T22:15:13.125" v="8" actId="20577"/>
+      <pc:docMkLst>
+        <pc:docMk/>
+      </pc:docMkLst>
+      <pc:sldChg chg="modNotesTx">
+        <pc:chgData name="Jeroen Stork" userId="a67ece4a-3ffe-4d90-9e5a-14e6aaa6fbb3" providerId="ADAL" clId="{A91E9381-2812-4436-A77E-CCA9DEC3EBAB}" dt="2023-05-08T22:03:48.354" v="4" actId="20577"/>
+        <pc:sldMkLst>
+          <pc:docMk/>
+          <pc:sldMk cId="1326358123" sldId="301"/>
+        </pc:sldMkLst>
+      </pc:sldChg>
+      <pc:sldChg chg="modNotesTx">
+        <pc:chgData name="Jeroen Stork" userId="a67ece4a-3ffe-4d90-9e5a-14e6aaa6fbb3" providerId="ADAL" clId="{A91E9381-2812-4436-A77E-CCA9DEC3EBAB}" dt="2023-05-08T22:15:13.125" v="8" actId="20577"/>
+        <pc:sldMkLst>
+          <pc:docMk/>
+          <pc:sldMk cId="59472017" sldId="313"/>
+        </pc:sldMkLst>
+      </pc:sldChg>
+      <pc:sldChg chg="modNotesTx">
+        <pc:chgData name="Jeroen Stork" userId="a67ece4a-3ffe-4d90-9e5a-14e6aaa6fbb3" providerId="ADAL" clId="{A91E9381-2812-4436-A77E-CCA9DEC3EBAB}" dt="2023-05-08T22:07:54.760" v="6" actId="20577"/>
+        <pc:sldMkLst>
+          <pc:docMk/>
+          <pc:sldMk cId="458557915" sldId="316"/>
+        </pc:sldMkLst>
+      </pc:sldChg>
+      <pc:sldChg chg="modNotesTx">
+        <pc:chgData name="Jeroen Stork" userId="a67ece4a-3ffe-4d90-9e5a-14e6aaa6fbb3" providerId="ADAL" clId="{A91E9381-2812-4436-A77E-CCA9DEC3EBAB}" dt="2023-05-08T22:08:32.561" v="7" actId="20577"/>
+        <pc:sldMkLst>
+          <pc:docMk/>
+          <pc:sldMk cId="1065085013" sldId="318"/>
+        </pc:sldMkLst>
+      </pc:sldChg>
+    </pc:docChg>
+  </pc:docChgLst>
+</pc:chgInfo>
+</file>
+
 <file path=ppt/notesMasters/notesMaster1.xml><?xml version="1.0" encoding="utf-8"?>
 <p:notesMaster xmlns:a="http://schemas.openxmlformats.org/drawingml/2006/main" xmlns:r="http://schemas.openxmlformats.org/officeDocument/2006/relationships" xmlns:p="http://schemas.openxmlformats.org/presentationml/2006/main">
   <p:cSld>
@@ -225,7 +267,7 @@
           <a:p>
             <a:fld id="{506A7C9F-7078-400C-AFC7-04400CC6C0C9}" type="datetimeFigureOut">
               <a:rPr lang="nl-NL" smtClean="0"/>
-              <a:t>25-11-2021</a:t>
+              <a:t>9-5-2023</a:t>
             </a:fld>
             <a:endParaRPr lang="nl-NL"/>
           </a:p>
@@ -384,7 +426,7 @@
           <a:p>
             <a:fld id="{81639104-CD37-486E-9C7A-5184428EE9F5}" type="slidenum">
               <a:rPr lang="nl-NL" smtClean="0"/>
-              <a:t>‹nr.›</a:t>
+              <a:t>‹#›</a:t>
             </a:fld>
             <a:endParaRPr lang="nl-NL"/>
           </a:p>
@@ -2991,7 +3033,15 @@
             <a:pPr algn="l"/>
             <a:r>
               <a:rPr lang="nl-NL" dirty="0"/>
-              <a:t>Git is een gedistribueerd versiebeheersysteem. Elke ontwikkelaar heeft een kopie van de bronrepository op zijn ontwikkelmachine. Ontwikkelaars kunnen elke reeks wijzigingen op hun ontwikkelmachine doorvoeren en versiebeheerbewerkingen zoals geschiedenis uitvoeren en vergelijken zonder een netwerkverbinding. Takken zijn lichtgewicht. Wanneer u van context moet wisselen, kunt u een persoonlijke lokale vertakking maken. Je kunt snel van de ene branch naar de andere switchen om tussen verschillende variaties van je codebase te draaien. Later kunt je de vertakking samenvoegen, publiceren of verwijderen.</a:t>
+              <a:t>Git is een gedistribueerd versiebeheersysteem. Elke ontwikkelaar heeft een kopie van de bronrepository op zijn ontwikkelmachine. Ontwikkelaars kunnen elke reeks wijzigingen op hun ontwikkelmachine doorvoeren en versiebeheerbewerkingen zoals geschiedenis uitvoeren en vergelijken zonder een netwerkverbinding. </a:t>
+            </a:r>
+            <a:r>
+              <a:rPr lang="nl-NL"/>
+              <a:t>Taken </a:t>
+            </a:r>
+            <a:r>
+              <a:rPr lang="nl-NL" dirty="0"/>
+              <a:t>zijn lichtgewicht. Wanneer u van context moet wisselen, kunt u een persoonlijke lokale vertakking maken. Je kunt snel van de ene branch naar de andere switchen om tussen verschillende variaties van je codebase te draaien. Later kunt je de vertakking samenvoegen, publiceren of verwijderen.</a:t>
             </a:r>
           </a:p>
           <a:p>
@@ -3838,7 +3888,7 @@
                 <a:effectLst/>
                 <a:latin typeface="Segoe UI" panose="020B0502040204020203" pitchFamily="34" charset="0"/>
               </a:rPr>
-              <a:t>Enkele speerpunten van een DevOps-cultuur zijn: Samenwerken, zichtbaarheid en afstemming, Verandwoordelijke strekking en aansprakelijkheid, Korte releasecycles, Continue leren.</a:t>
+              <a:t>Enkele speerpunten van een DevOps-cultuur zijn: Samenwerken, zichtbaarheid en afstemming, Verantwoordelijke strekking en aansprakelijkheid, Korte releasecycles, Continue leren.</a:t>
             </a:r>
           </a:p>
           <a:p>
@@ -4069,7 +4119,15 @@
             </a:r>
             <a:r>
               <a:rPr lang="nl-NL" dirty="0"/>
-              <a:t> is de praktijk waarbij elke wijziging die in jecodebase wordt aangebracht, automatisch en zo vroeg mogelijk wordt getest. Continuous delivery volgt het testen dat plaatsvindt tijdens continue integratie en pusht wijzigingen in een staging- of productiesysteem. In Azure Data Factory betekent </a:t>
+              <a:t> is de praktijk waarbij elke wijziging die </a:t>
+            </a:r>
+            <a:r>
+              <a:rPr lang="nl-NL"/>
+              <a:t>in je codebase </a:t>
+            </a:r>
+            <a:r>
+              <a:rPr lang="nl-NL" dirty="0"/>
+              <a:t>wordt aangebracht, automatisch en zo vroeg mogelijk wordt getest. Continuous delivery volgt het testen dat plaatsvindt tijdens continue integratie en pusht wijzigingen in een staging- of productiesysteem. In Azure Data Factory betekent </a:t>
             </a:r>
             <a:r>
               <a:rPr lang="nl-NL" b="0" i="0" dirty="0">
@@ -6788,7 +6846,7 @@
                 <a:effectLst/>
                 <a:latin typeface="Segoe UI" panose="020B0502040204020203" pitchFamily="34" charset="0"/>
               </a:rPr>
-              <a:t>Controleactiviteiten bestaan uit zaken als: Een losse pipeline uitvoeren, variablen toepaasne, Filteren, ForEach loop, IF-Conditions, LoopUp, Wachten, Until en Web activiteten.</a:t>
+              <a:t>Controleactiviteiten bestaan uit zaken als: Een losse pipeline uitvoeren, variabelen toepassen, Filteren, ForEach loop, IF-Conditions, LoopUp, Wachten, Until en Web activiteten.</a:t>
             </a:r>
           </a:p>
           <a:p>
@@ -7014,7 +7072,7 @@
           <a:p>
             <a:fld id="{15E48C8E-5BC6-4622-8CA1-3638D2A56CDE}" type="datetimeFigureOut">
               <a:rPr lang="nl-NL" smtClean="0"/>
-              <a:t>25-11-2021</a:t>
+              <a:t>9-5-2023</a:t>
             </a:fld>
             <a:endParaRPr lang="nl-NL"/>
           </a:p>
@@ -7068,7 +7126,7 @@
           <a:p>
             <a:fld id="{4598FA16-D37F-4D9F-BE93-8104C2D892CA}" type="slidenum">
               <a:rPr lang="nl-NL" smtClean="0"/>
-              <a:t>‹nr.›</a:t>
+              <a:t>‹#›</a:t>
             </a:fld>
             <a:endParaRPr lang="nl-NL"/>
           </a:p>
@@ -7214,7 +7272,7 @@
           <a:p>
             <a:fld id="{15E48C8E-5BC6-4622-8CA1-3638D2A56CDE}" type="datetimeFigureOut">
               <a:rPr lang="nl-NL" smtClean="0"/>
-              <a:t>25-11-2021</a:t>
+              <a:t>9-5-2023</a:t>
             </a:fld>
             <a:endParaRPr lang="nl-NL"/>
           </a:p>
@@ -7268,7 +7326,7 @@
           <a:p>
             <a:fld id="{4598FA16-D37F-4D9F-BE93-8104C2D892CA}" type="slidenum">
               <a:rPr lang="nl-NL" smtClean="0"/>
-              <a:t>‹nr.›</a:t>
+              <a:t>‹#›</a:t>
             </a:fld>
             <a:endParaRPr lang="nl-NL"/>
           </a:p>
@@ -7424,7 +7482,7 @@
           <a:p>
             <a:fld id="{15E48C8E-5BC6-4622-8CA1-3638D2A56CDE}" type="datetimeFigureOut">
               <a:rPr lang="nl-NL" smtClean="0"/>
-              <a:t>25-11-2021</a:t>
+              <a:t>9-5-2023</a:t>
             </a:fld>
             <a:endParaRPr lang="nl-NL"/>
           </a:p>
@@ -7478,7 +7536,7 @@
           <a:p>
             <a:fld id="{4598FA16-D37F-4D9F-BE93-8104C2D892CA}" type="slidenum">
               <a:rPr lang="nl-NL" smtClean="0"/>
-              <a:t>‹nr.›</a:t>
+              <a:t>‹#›</a:t>
             </a:fld>
             <a:endParaRPr lang="nl-NL"/>
           </a:p>
@@ -7624,7 +7682,7 @@
           <a:p>
             <a:fld id="{15E48C8E-5BC6-4622-8CA1-3638D2A56CDE}" type="datetimeFigureOut">
               <a:rPr lang="nl-NL" smtClean="0"/>
-              <a:t>25-11-2021</a:t>
+              <a:t>9-5-2023</a:t>
             </a:fld>
             <a:endParaRPr lang="nl-NL"/>
           </a:p>
@@ -7678,7 +7736,7 @@
           <a:p>
             <a:fld id="{4598FA16-D37F-4D9F-BE93-8104C2D892CA}" type="slidenum">
               <a:rPr lang="nl-NL" smtClean="0"/>
-              <a:t>‹nr.›</a:t>
+              <a:t>‹#›</a:t>
             </a:fld>
             <a:endParaRPr lang="nl-NL"/>
           </a:p>
@@ -7900,7 +7958,7 @@
           <a:p>
             <a:fld id="{15E48C8E-5BC6-4622-8CA1-3638D2A56CDE}" type="datetimeFigureOut">
               <a:rPr lang="nl-NL" smtClean="0"/>
-              <a:t>25-11-2021</a:t>
+              <a:t>9-5-2023</a:t>
             </a:fld>
             <a:endParaRPr lang="nl-NL"/>
           </a:p>
@@ -7954,7 +8012,7 @@
           <a:p>
             <a:fld id="{4598FA16-D37F-4D9F-BE93-8104C2D892CA}" type="slidenum">
               <a:rPr lang="nl-NL" smtClean="0"/>
-              <a:t>‹nr.›</a:t>
+              <a:t>‹#›</a:t>
             </a:fld>
             <a:endParaRPr lang="nl-NL"/>
           </a:p>
@@ -8168,7 +8226,7 @@
           <a:p>
             <a:fld id="{15E48C8E-5BC6-4622-8CA1-3638D2A56CDE}" type="datetimeFigureOut">
               <a:rPr lang="nl-NL" smtClean="0"/>
-              <a:t>25-11-2021</a:t>
+              <a:t>9-5-2023</a:t>
             </a:fld>
             <a:endParaRPr lang="nl-NL"/>
           </a:p>
@@ -8222,7 +8280,7 @@
           <a:p>
             <a:fld id="{4598FA16-D37F-4D9F-BE93-8104C2D892CA}" type="slidenum">
               <a:rPr lang="nl-NL" smtClean="0"/>
-              <a:t>‹nr.›</a:t>
+              <a:t>‹#›</a:t>
             </a:fld>
             <a:endParaRPr lang="nl-NL"/>
           </a:p>
@@ -8583,7 +8641,7 @@
           <a:p>
             <a:fld id="{15E48C8E-5BC6-4622-8CA1-3638D2A56CDE}" type="datetimeFigureOut">
               <a:rPr lang="nl-NL" smtClean="0"/>
-              <a:t>25-11-2021</a:t>
+              <a:t>9-5-2023</a:t>
             </a:fld>
             <a:endParaRPr lang="nl-NL"/>
           </a:p>
@@ -8637,7 +8695,7 @@
           <a:p>
             <a:fld id="{4598FA16-D37F-4D9F-BE93-8104C2D892CA}" type="slidenum">
               <a:rPr lang="nl-NL" smtClean="0"/>
-              <a:t>‹nr.›</a:t>
+              <a:t>‹#›</a:t>
             </a:fld>
             <a:endParaRPr lang="nl-NL"/>
           </a:p>
@@ -8725,7 +8783,7 @@
           <a:p>
             <a:fld id="{15E48C8E-5BC6-4622-8CA1-3638D2A56CDE}" type="datetimeFigureOut">
               <a:rPr lang="nl-NL" smtClean="0"/>
-              <a:t>25-11-2021</a:t>
+              <a:t>9-5-2023</a:t>
             </a:fld>
             <a:endParaRPr lang="nl-NL"/>
           </a:p>
@@ -8779,7 +8837,7 @@
           <a:p>
             <a:fld id="{4598FA16-D37F-4D9F-BE93-8104C2D892CA}" type="slidenum">
               <a:rPr lang="nl-NL" smtClean="0"/>
-              <a:t>‹nr.›</a:t>
+              <a:t>‹#›</a:t>
             </a:fld>
             <a:endParaRPr lang="nl-NL"/>
           </a:p>
@@ -8838,7 +8896,7 @@
           <a:p>
             <a:fld id="{15E48C8E-5BC6-4622-8CA1-3638D2A56CDE}" type="datetimeFigureOut">
               <a:rPr lang="nl-NL" smtClean="0"/>
-              <a:t>25-11-2021</a:t>
+              <a:t>9-5-2023</a:t>
             </a:fld>
             <a:endParaRPr lang="nl-NL"/>
           </a:p>
@@ -8892,7 +8950,7 @@
           <a:p>
             <a:fld id="{4598FA16-D37F-4D9F-BE93-8104C2D892CA}" type="slidenum">
               <a:rPr lang="nl-NL" smtClean="0"/>
-              <a:t>‹nr.›</a:t>
+              <a:t>‹#›</a:t>
             </a:fld>
             <a:endParaRPr lang="nl-NL"/>
           </a:p>
@@ -9151,7 +9209,7 @@
           <a:p>
             <a:fld id="{15E48C8E-5BC6-4622-8CA1-3638D2A56CDE}" type="datetimeFigureOut">
               <a:rPr lang="nl-NL" smtClean="0"/>
-              <a:t>25-11-2021</a:t>
+              <a:t>9-5-2023</a:t>
             </a:fld>
             <a:endParaRPr lang="nl-NL"/>
           </a:p>
@@ -9205,7 +9263,7 @@
           <a:p>
             <a:fld id="{4598FA16-D37F-4D9F-BE93-8104C2D892CA}" type="slidenum">
               <a:rPr lang="nl-NL" smtClean="0"/>
-              <a:t>‹nr.›</a:t>
+              <a:t>‹#›</a:t>
             </a:fld>
             <a:endParaRPr lang="nl-NL"/>
           </a:p>
@@ -9440,7 +9498,7 @@
           <a:p>
             <a:fld id="{15E48C8E-5BC6-4622-8CA1-3638D2A56CDE}" type="datetimeFigureOut">
               <a:rPr lang="nl-NL" smtClean="0"/>
-              <a:t>25-11-2021</a:t>
+              <a:t>9-5-2023</a:t>
             </a:fld>
             <a:endParaRPr lang="nl-NL"/>
           </a:p>
@@ -9494,7 +9552,7 @@
           <a:p>
             <a:fld id="{4598FA16-D37F-4D9F-BE93-8104C2D892CA}" type="slidenum">
               <a:rPr lang="nl-NL" smtClean="0"/>
-              <a:t>‹nr.›</a:t>
+              <a:t>‹#›</a:t>
             </a:fld>
             <a:endParaRPr lang="nl-NL"/>
           </a:p>
@@ -9683,7 +9741,7 @@
           <a:p>
             <a:fld id="{15E48C8E-5BC6-4622-8CA1-3638D2A56CDE}" type="datetimeFigureOut">
               <a:rPr lang="nl-NL" smtClean="0"/>
-              <a:t>25-11-2021</a:t>
+              <a:t>9-5-2023</a:t>
             </a:fld>
             <a:endParaRPr lang="nl-NL"/>
           </a:p>
@@ -9773,7 +9831,7 @@
           <a:p>
             <a:fld id="{4598FA16-D37F-4D9F-BE93-8104C2D892CA}" type="slidenum">
               <a:rPr lang="nl-NL" smtClean="0"/>
-              <a:t>‹nr.›</a:t>
+              <a:t>‹#›</a:t>
             </a:fld>
             <a:endParaRPr lang="nl-NL"/>
           </a:p>

--- a/Slides/Azure Data Factory Fundamentals Dag 2.pptx
+++ b/Slides/Azure Data Factory Fundamentals Dag 2.pptx
@@ -267,7 +267,7 @@
           <a:p>
             <a:fld id="{506A7C9F-7078-400C-AFC7-04400CC6C0C9}" type="datetimeFigureOut">
               <a:rPr lang="nl-NL" smtClean="0"/>
-              <a:t>9-5-2023</a:t>
+              <a:t>26-6-2023</a:t>
             </a:fld>
             <a:endParaRPr lang="nl-NL"/>
           </a:p>
@@ -7072,7 +7072,7 @@
           <a:p>
             <a:fld id="{15E48C8E-5BC6-4622-8CA1-3638D2A56CDE}" type="datetimeFigureOut">
               <a:rPr lang="nl-NL" smtClean="0"/>
-              <a:t>9-5-2023</a:t>
+              <a:t>26-6-2023</a:t>
             </a:fld>
             <a:endParaRPr lang="nl-NL"/>
           </a:p>
@@ -7272,7 +7272,7 @@
           <a:p>
             <a:fld id="{15E48C8E-5BC6-4622-8CA1-3638D2A56CDE}" type="datetimeFigureOut">
               <a:rPr lang="nl-NL" smtClean="0"/>
-              <a:t>9-5-2023</a:t>
+              <a:t>26-6-2023</a:t>
             </a:fld>
             <a:endParaRPr lang="nl-NL"/>
           </a:p>
@@ -7482,7 +7482,7 @@
           <a:p>
             <a:fld id="{15E48C8E-5BC6-4622-8CA1-3638D2A56CDE}" type="datetimeFigureOut">
               <a:rPr lang="nl-NL" smtClean="0"/>
-              <a:t>9-5-2023</a:t>
+              <a:t>26-6-2023</a:t>
             </a:fld>
             <a:endParaRPr lang="nl-NL"/>
           </a:p>
@@ -7682,7 +7682,7 @@
           <a:p>
             <a:fld id="{15E48C8E-5BC6-4622-8CA1-3638D2A56CDE}" type="datetimeFigureOut">
               <a:rPr lang="nl-NL" smtClean="0"/>
-              <a:t>9-5-2023</a:t>
+              <a:t>26-6-2023</a:t>
             </a:fld>
             <a:endParaRPr lang="nl-NL"/>
           </a:p>
@@ -7958,7 +7958,7 @@
           <a:p>
             <a:fld id="{15E48C8E-5BC6-4622-8CA1-3638D2A56CDE}" type="datetimeFigureOut">
               <a:rPr lang="nl-NL" smtClean="0"/>
-              <a:t>9-5-2023</a:t>
+              <a:t>26-6-2023</a:t>
             </a:fld>
             <a:endParaRPr lang="nl-NL"/>
           </a:p>
@@ -8226,7 +8226,7 @@
           <a:p>
             <a:fld id="{15E48C8E-5BC6-4622-8CA1-3638D2A56CDE}" type="datetimeFigureOut">
               <a:rPr lang="nl-NL" smtClean="0"/>
-              <a:t>9-5-2023</a:t>
+              <a:t>26-6-2023</a:t>
             </a:fld>
             <a:endParaRPr lang="nl-NL"/>
           </a:p>
@@ -8641,7 +8641,7 @@
           <a:p>
             <a:fld id="{15E48C8E-5BC6-4622-8CA1-3638D2A56CDE}" type="datetimeFigureOut">
               <a:rPr lang="nl-NL" smtClean="0"/>
-              <a:t>9-5-2023</a:t>
+              <a:t>26-6-2023</a:t>
             </a:fld>
             <a:endParaRPr lang="nl-NL"/>
           </a:p>
@@ -8783,7 +8783,7 @@
           <a:p>
             <a:fld id="{15E48C8E-5BC6-4622-8CA1-3638D2A56CDE}" type="datetimeFigureOut">
               <a:rPr lang="nl-NL" smtClean="0"/>
-              <a:t>9-5-2023</a:t>
+              <a:t>26-6-2023</a:t>
             </a:fld>
             <a:endParaRPr lang="nl-NL"/>
           </a:p>
@@ -8896,7 +8896,7 @@
           <a:p>
             <a:fld id="{15E48C8E-5BC6-4622-8CA1-3638D2A56CDE}" type="datetimeFigureOut">
               <a:rPr lang="nl-NL" smtClean="0"/>
-              <a:t>9-5-2023</a:t>
+              <a:t>26-6-2023</a:t>
             </a:fld>
             <a:endParaRPr lang="nl-NL"/>
           </a:p>
@@ -9209,7 +9209,7 @@
           <a:p>
             <a:fld id="{15E48C8E-5BC6-4622-8CA1-3638D2A56CDE}" type="datetimeFigureOut">
               <a:rPr lang="nl-NL" smtClean="0"/>
-              <a:t>9-5-2023</a:t>
+              <a:t>26-6-2023</a:t>
             </a:fld>
             <a:endParaRPr lang="nl-NL"/>
           </a:p>
@@ -9498,7 +9498,7 @@
           <a:p>
             <a:fld id="{15E48C8E-5BC6-4622-8CA1-3638D2A56CDE}" type="datetimeFigureOut">
               <a:rPr lang="nl-NL" smtClean="0"/>
-              <a:t>9-5-2023</a:t>
+              <a:t>26-6-2023</a:t>
             </a:fld>
             <a:endParaRPr lang="nl-NL"/>
           </a:p>
@@ -9575,9 +9575,12 @@
 <p:sldMaster xmlns:a="http://schemas.openxmlformats.org/drawingml/2006/main" xmlns:r="http://schemas.openxmlformats.org/officeDocument/2006/relationships" xmlns:p="http://schemas.openxmlformats.org/presentationml/2006/main">
   <p:cSld>
     <p:bg>
-      <p:bgRef idx="1001">
-        <a:schemeClr val="bg1"/>
-      </p:bgRef>
+      <p:bgPr>
+        <a:solidFill>
+          <a:schemeClr val="bg1"/>
+        </a:solidFill>
+        <a:effectLst/>
+      </p:bgPr>
     </p:bg>
     <p:spTree>
       <p:nvGrpSpPr>
@@ -9741,7 +9744,7 @@
           <a:p>
             <a:fld id="{15E48C8E-5BC6-4622-8CA1-3638D2A56CDE}" type="datetimeFigureOut">
               <a:rPr lang="nl-NL" smtClean="0"/>
-              <a:t>9-5-2023</a:t>
+              <a:t>26-6-2023</a:t>
             </a:fld>
             <a:endParaRPr lang="nl-NL"/>
           </a:p>
@@ -9837,6 +9840,42 @@
           </a:p>
         </p:txBody>
       </p:sp>
+      <p:pic>
+        <p:nvPicPr>
+          <p:cNvPr id="8" name="Picture 7" descr="A green text on a black background&#10;&#10;Description automatically generated with low confidence">
+            <a:extLst>
+              <a:ext uri="{FF2B5EF4-FFF2-40B4-BE49-F238E27FC236}">
+                <a16:creationId xmlns:a16="http://schemas.microsoft.com/office/drawing/2014/main" id="{7005F120-E678-ACE2-A25A-E5997D4732EE}"/>
+              </a:ext>
+            </a:extLst>
+          </p:cNvPr>
+          <p:cNvPicPr>
+            <a:picLocks noChangeAspect="1"/>
+          </p:cNvPicPr>
+          <p:nvPr userDrawn="1"/>
+        </p:nvPicPr>
+        <p:blipFill>
+          <a:blip r:embed="rId13">
+            <a:extLst>
+              <a:ext uri="{28A0092B-C50C-407E-A947-70E740481C1C}">
+                <a14:useLocalDpi xmlns:a14="http://schemas.microsoft.com/office/drawing/2010/main" val="0"/>
+              </a:ext>
+            </a:extLst>
+          </a:blip>
+          <a:stretch>
+            <a:fillRect/>
+          </a:stretch>
+        </p:blipFill>
+        <p:spPr>
+          <a:xfrm>
+            <a:off x="9923228" y="185738"/>
+            <a:ext cx="2116768" cy="534446"/>
+          </a:xfrm>
+          <a:prstGeom prst="rect">
+            <a:avLst/>
+          </a:prstGeom>
+        </p:spPr>
+      </p:pic>
     </p:spTree>
     <p:extLst>
       <p:ext uri="{BB962C8B-B14F-4D97-AF65-F5344CB8AC3E}">
@@ -10144,21 +10183,6 @@
 <file path=ppt/slides/slide1.xml><?xml version="1.0" encoding="utf-8"?>
 <p:sld xmlns:a="http://schemas.openxmlformats.org/drawingml/2006/main" xmlns:r="http://schemas.openxmlformats.org/officeDocument/2006/relationships" xmlns:p="http://schemas.openxmlformats.org/presentationml/2006/main">
   <p:cSld>
-    <p:bg>
-      <p:bgPr>
-        <a:blipFill dpi="0" rotWithShape="1">
-          <a:blip r:embed="rId2">
-            <a:alphaModFix amt="70000"/>
-            <a:lum/>
-          </a:blip>
-          <a:srcRect/>
-          <a:stretch>
-            <a:fillRect t="-39000" b="-39000"/>
-          </a:stretch>
-        </a:blipFill>
-        <a:effectLst/>
-      </p:bgPr>
-    </p:bg>
     <p:spTree>
       <p:nvGrpSpPr>
         <p:cNvPr id="1" name=""/>
@@ -10219,72 +10243,6 @@
           </a:p>
         </p:txBody>
       </p:sp>
-      <p:sp>
-        <p:nvSpPr>
-          <p:cNvPr id="3" name="Subtitle 2">
-            <a:extLst>
-              <a:ext uri="{FF2B5EF4-FFF2-40B4-BE49-F238E27FC236}">
-                <a16:creationId xmlns:a16="http://schemas.microsoft.com/office/drawing/2014/main" id="{91C9F03C-30AE-46BC-9778-6D5FDBEAE714}"/>
-              </a:ext>
-            </a:extLst>
-          </p:cNvPr>
-          <p:cNvSpPr>
-            <a:spLocks noGrp="1"/>
-          </p:cNvSpPr>
-          <p:nvPr>
-            <p:ph type="subTitle" idx="1"/>
-          </p:nvPr>
-        </p:nvSpPr>
-        <p:spPr/>
-        <p:txBody>
-          <a:bodyPr/>
-          <a:lstStyle/>
-          <a:p>
-            <a:r>
-              <a:rPr lang="nl-NL" dirty="0">
-                <a:latin typeface="Consolas" panose="020B0609020204030204" pitchFamily="49" charset="0"/>
-              </a:rPr>
-              <a:t>  24 &amp; 25 november 2021 </a:t>
-            </a:r>
-          </a:p>
-        </p:txBody>
-      </p:sp>
-      <p:pic>
-        <p:nvPicPr>
-          <p:cNvPr id="9" name="Picture 8">
-            <a:extLst>
-              <a:ext uri="{FF2B5EF4-FFF2-40B4-BE49-F238E27FC236}">
-                <a16:creationId xmlns:a16="http://schemas.microsoft.com/office/drawing/2014/main" id="{DF89AA1E-E77D-4509-94FF-4BEFE0691857}"/>
-              </a:ext>
-            </a:extLst>
-          </p:cNvPr>
-          <p:cNvPicPr>
-            <a:picLocks noChangeAspect="1"/>
-          </p:cNvPicPr>
-          <p:nvPr/>
-        </p:nvPicPr>
-        <p:blipFill>
-          <a:blip r:embed="rId3">
-            <a:extLst>
-              <a:ext uri="{28A0092B-C50C-407E-A947-70E740481C1C}">
-                <a14:useLocalDpi xmlns:a14="http://schemas.microsoft.com/office/drawing/2010/main" val="0"/>
-              </a:ext>
-            </a:extLst>
-          </a:blip>
-          <a:stretch>
-            <a:fillRect/>
-          </a:stretch>
-        </p:blipFill>
-        <p:spPr>
-          <a:xfrm>
-            <a:off x="171450" y="171450"/>
-            <a:ext cx="3705225" cy="949464"/>
-          </a:xfrm>
-          <a:prstGeom prst="rect">
-            <a:avLst/>
-          </a:prstGeom>
-        </p:spPr>
-      </p:pic>
       <p:pic>
         <p:nvPicPr>
           <p:cNvPr id="11" name="Graphic 10">
@@ -10300,13 +10258,13 @@
           <p:nvPr/>
         </p:nvPicPr>
         <p:blipFill>
-          <a:blip r:embed="rId4">
+          <a:blip r:embed="rId2">
             <a:extLst>
               <a:ext uri="{28A0092B-C50C-407E-A947-70E740481C1C}">
                 <a14:useLocalDpi xmlns:a14="http://schemas.microsoft.com/office/drawing/2010/main" val="0"/>
               </a:ext>
               <a:ext uri="{96DAC541-7B7A-43D3-8B79-37D633B846F1}">
-                <asvg:svgBlip xmlns:asvg="http://schemas.microsoft.com/office/drawing/2016/SVG/main" r:embed="rId5"/>
+                <asvg:svgBlip xmlns:asvg="http://schemas.microsoft.com/office/drawing/2016/SVG/main" r:embed="rId3"/>
               </a:ext>
             </a:extLst>
           </a:blip>
@@ -10339,13 +10297,13 @@
           <p:nvPr/>
         </p:nvPicPr>
         <p:blipFill>
-          <a:blip r:embed="rId6">
+          <a:blip r:embed="rId4">
             <a:extLst>
               <a:ext uri="{28A0092B-C50C-407E-A947-70E740481C1C}">
                 <a14:useLocalDpi xmlns:a14="http://schemas.microsoft.com/office/drawing/2010/main" val="0"/>
               </a:ext>
               <a:ext uri="{96DAC541-7B7A-43D3-8B79-37D633B846F1}">
-                <asvg:svgBlip xmlns:asvg="http://schemas.microsoft.com/office/drawing/2016/SVG/main" r:embed="rId7"/>
+                <asvg:svgBlip xmlns:asvg="http://schemas.microsoft.com/office/drawing/2016/SVG/main" r:embed="rId5"/>
               </a:ext>
             </a:extLst>
           </a:blip>
@@ -10451,6 +10409,31 @@
           </a:fontRef>
         </p:style>
       </p:cxnSp>
+      <p:sp>
+        <p:nvSpPr>
+          <p:cNvPr id="5" name="Subtitle 4">
+            <a:extLst>
+              <a:ext uri="{FF2B5EF4-FFF2-40B4-BE49-F238E27FC236}">
+                <a16:creationId xmlns:a16="http://schemas.microsoft.com/office/drawing/2014/main" id="{DBDB827B-B178-9B3B-C568-20F8A6178B20}"/>
+              </a:ext>
+            </a:extLst>
+          </p:cNvPr>
+          <p:cNvSpPr>
+            <a:spLocks noGrp="1"/>
+          </p:cNvSpPr>
+          <p:nvPr>
+            <p:ph type="subTitle" idx="1"/>
+          </p:nvPr>
+        </p:nvSpPr>
+        <p:spPr/>
+        <p:txBody>
+          <a:bodyPr/>
+          <a:lstStyle/>
+          <a:p>
+            <a:endParaRPr lang="en-NL"/>
+          </a:p>
+        </p:txBody>
+      </p:sp>
     </p:spTree>
     <p:extLst>
       <p:ext uri="{BB962C8B-B14F-4D97-AF65-F5344CB8AC3E}">
@@ -10467,21 +10450,6 @@
 <file path=ppt/slides/slide10.xml><?xml version="1.0" encoding="utf-8"?>
 <p:sld xmlns:a="http://schemas.openxmlformats.org/drawingml/2006/main" xmlns:r="http://schemas.openxmlformats.org/officeDocument/2006/relationships" xmlns:p="http://schemas.openxmlformats.org/presentationml/2006/main">
   <p:cSld>
-    <p:bg>
-      <p:bgPr>
-        <a:blipFill dpi="0" rotWithShape="1">
-          <a:blip r:embed="rId3">
-            <a:alphaModFix amt="70000"/>
-            <a:lum/>
-          </a:blip>
-          <a:srcRect/>
-          <a:stretch>
-            <a:fillRect t="-39000" b="-39000"/>
-          </a:stretch>
-        </a:blipFill>
-        <a:effectLst/>
-      </p:bgPr>
-    </p:bg>
     <p:spTree>
       <p:nvGrpSpPr>
         <p:cNvPr id="1" name=""/>
@@ -10496,42 +10464,6 @@
           <a:chExt cx="0" cy="0"/>
         </a:xfrm>
       </p:grpSpPr>
-      <p:pic>
-        <p:nvPicPr>
-          <p:cNvPr id="9" name="Picture 8">
-            <a:extLst>
-              <a:ext uri="{FF2B5EF4-FFF2-40B4-BE49-F238E27FC236}">
-                <a16:creationId xmlns:a16="http://schemas.microsoft.com/office/drawing/2014/main" id="{DF89AA1E-E77D-4509-94FF-4BEFE0691857}"/>
-              </a:ext>
-            </a:extLst>
-          </p:cNvPr>
-          <p:cNvPicPr>
-            <a:picLocks noChangeAspect="1"/>
-          </p:cNvPicPr>
-          <p:nvPr/>
-        </p:nvPicPr>
-        <p:blipFill>
-          <a:blip r:embed="rId4">
-            <a:extLst>
-              <a:ext uri="{28A0092B-C50C-407E-A947-70E740481C1C}">
-                <a14:useLocalDpi xmlns:a14="http://schemas.microsoft.com/office/drawing/2010/main" val="0"/>
-              </a:ext>
-            </a:extLst>
-          </a:blip>
-          <a:stretch>
-            <a:fillRect/>
-          </a:stretch>
-        </p:blipFill>
-        <p:spPr>
-          <a:xfrm>
-            <a:off x="171450" y="171450"/>
-            <a:ext cx="3705225" cy="949464"/>
-          </a:xfrm>
-          <a:prstGeom prst="rect">
-            <a:avLst/>
-          </a:prstGeom>
-        </p:spPr>
-      </p:pic>
       <p:sp>
         <p:nvSpPr>
           <p:cNvPr id="8" name="Title 7">
@@ -10601,13 +10533,13 @@
           <p:nvPr/>
         </p:nvPicPr>
         <p:blipFill>
-          <a:blip r:embed="rId5">
+          <a:blip r:embed="rId3">
             <a:extLst>
               <a:ext uri="{28A0092B-C50C-407E-A947-70E740481C1C}">
                 <a14:useLocalDpi xmlns:a14="http://schemas.microsoft.com/office/drawing/2010/main" val="0"/>
               </a:ext>
               <a:ext uri="{96DAC541-7B7A-43D3-8B79-37D633B846F1}">
-                <asvg:svgBlip xmlns:asvg="http://schemas.microsoft.com/office/drawing/2016/SVG/main" r:embed="rId6"/>
+                <asvg:svgBlip xmlns:asvg="http://schemas.microsoft.com/office/drawing/2016/SVG/main" r:embed="rId4"/>
               </a:ext>
             </a:extLst>
           </a:blip>
@@ -11024,21 +10956,6 @@
 <file path=ppt/slides/slide11.xml><?xml version="1.0" encoding="utf-8"?>
 <p:sld xmlns:a="http://schemas.openxmlformats.org/drawingml/2006/main" xmlns:r="http://schemas.openxmlformats.org/officeDocument/2006/relationships" xmlns:p="http://schemas.openxmlformats.org/presentationml/2006/main">
   <p:cSld>
-    <p:bg>
-      <p:bgPr>
-        <a:blipFill dpi="0" rotWithShape="1">
-          <a:blip r:embed="rId3">
-            <a:alphaModFix amt="70000"/>
-            <a:lum/>
-          </a:blip>
-          <a:srcRect/>
-          <a:stretch>
-            <a:fillRect t="-39000" b="-39000"/>
-          </a:stretch>
-        </a:blipFill>
-        <a:effectLst/>
-      </p:bgPr>
-    </p:bg>
     <p:spTree>
       <p:nvGrpSpPr>
         <p:cNvPr id="1" name=""/>
@@ -11053,42 +10970,6 @@
           <a:chExt cx="0" cy="0"/>
         </a:xfrm>
       </p:grpSpPr>
-      <p:pic>
-        <p:nvPicPr>
-          <p:cNvPr id="9" name="Picture 8">
-            <a:extLst>
-              <a:ext uri="{FF2B5EF4-FFF2-40B4-BE49-F238E27FC236}">
-                <a16:creationId xmlns:a16="http://schemas.microsoft.com/office/drawing/2014/main" id="{DF89AA1E-E77D-4509-94FF-4BEFE0691857}"/>
-              </a:ext>
-            </a:extLst>
-          </p:cNvPr>
-          <p:cNvPicPr>
-            <a:picLocks noChangeAspect="1"/>
-          </p:cNvPicPr>
-          <p:nvPr/>
-        </p:nvPicPr>
-        <p:blipFill>
-          <a:blip r:embed="rId4">
-            <a:extLst>
-              <a:ext uri="{28A0092B-C50C-407E-A947-70E740481C1C}">
-                <a14:useLocalDpi xmlns:a14="http://schemas.microsoft.com/office/drawing/2010/main" val="0"/>
-              </a:ext>
-            </a:extLst>
-          </a:blip>
-          <a:stretch>
-            <a:fillRect/>
-          </a:stretch>
-        </p:blipFill>
-        <p:spPr>
-          <a:xfrm>
-            <a:off x="171450" y="171450"/>
-            <a:ext cx="3705225" cy="949464"/>
-          </a:xfrm>
-          <a:prstGeom prst="rect">
-            <a:avLst/>
-          </a:prstGeom>
-        </p:spPr>
-      </p:pic>
       <p:sp>
         <p:nvSpPr>
           <p:cNvPr id="8" name="Title 7">
@@ -11158,13 +11039,13 @@
           <p:nvPr/>
         </p:nvPicPr>
         <p:blipFill>
-          <a:blip r:embed="rId5">
+          <a:blip r:embed="rId3">
             <a:extLst>
               <a:ext uri="{28A0092B-C50C-407E-A947-70E740481C1C}">
                 <a14:useLocalDpi xmlns:a14="http://schemas.microsoft.com/office/drawing/2010/main" val="0"/>
               </a:ext>
               <a:ext uri="{96DAC541-7B7A-43D3-8B79-37D633B846F1}">
-                <asvg:svgBlip xmlns:asvg="http://schemas.microsoft.com/office/drawing/2016/SVG/main" r:embed="rId6"/>
+                <asvg:svgBlip xmlns:asvg="http://schemas.microsoft.com/office/drawing/2016/SVG/main" r:embed="rId4"/>
               </a:ext>
             </a:extLst>
           </a:blip>
@@ -11492,21 +11373,6 @@
 <file path=ppt/slides/slide12.xml><?xml version="1.0" encoding="utf-8"?>
 <p:sld xmlns:a="http://schemas.openxmlformats.org/drawingml/2006/main" xmlns:r="http://schemas.openxmlformats.org/officeDocument/2006/relationships" xmlns:p="http://schemas.openxmlformats.org/presentationml/2006/main">
   <p:cSld>
-    <p:bg>
-      <p:bgPr>
-        <a:blipFill dpi="0" rotWithShape="1">
-          <a:blip r:embed="rId3">
-            <a:alphaModFix amt="70000"/>
-            <a:lum/>
-          </a:blip>
-          <a:srcRect/>
-          <a:stretch>
-            <a:fillRect t="-39000" b="-39000"/>
-          </a:stretch>
-        </a:blipFill>
-        <a:effectLst/>
-      </p:bgPr>
-    </p:bg>
     <p:spTree>
       <p:nvGrpSpPr>
         <p:cNvPr id="1" name=""/>
@@ -11521,42 +11387,6 @@
           <a:chExt cx="0" cy="0"/>
         </a:xfrm>
       </p:grpSpPr>
-      <p:pic>
-        <p:nvPicPr>
-          <p:cNvPr id="9" name="Picture 8">
-            <a:extLst>
-              <a:ext uri="{FF2B5EF4-FFF2-40B4-BE49-F238E27FC236}">
-                <a16:creationId xmlns:a16="http://schemas.microsoft.com/office/drawing/2014/main" id="{DF89AA1E-E77D-4509-94FF-4BEFE0691857}"/>
-              </a:ext>
-            </a:extLst>
-          </p:cNvPr>
-          <p:cNvPicPr>
-            <a:picLocks noChangeAspect="1"/>
-          </p:cNvPicPr>
-          <p:nvPr/>
-        </p:nvPicPr>
-        <p:blipFill>
-          <a:blip r:embed="rId4">
-            <a:extLst>
-              <a:ext uri="{28A0092B-C50C-407E-A947-70E740481C1C}">
-                <a14:useLocalDpi xmlns:a14="http://schemas.microsoft.com/office/drawing/2010/main" val="0"/>
-              </a:ext>
-            </a:extLst>
-          </a:blip>
-          <a:stretch>
-            <a:fillRect/>
-          </a:stretch>
-        </p:blipFill>
-        <p:spPr>
-          <a:xfrm>
-            <a:off x="171450" y="171450"/>
-            <a:ext cx="3705225" cy="949464"/>
-          </a:xfrm>
-          <a:prstGeom prst="rect">
-            <a:avLst/>
-          </a:prstGeom>
-        </p:spPr>
-      </p:pic>
       <p:sp>
         <p:nvSpPr>
           <p:cNvPr id="8" name="Title 7">
@@ -11626,13 +11456,13 @@
           <p:nvPr/>
         </p:nvPicPr>
         <p:blipFill>
-          <a:blip r:embed="rId5">
+          <a:blip r:embed="rId3">
             <a:extLst>
               <a:ext uri="{28A0092B-C50C-407E-A947-70E740481C1C}">
                 <a14:useLocalDpi xmlns:a14="http://schemas.microsoft.com/office/drawing/2010/main" val="0"/>
               </a:ext>
               <a:ext uri="{96DAC541-7B7A-43D3-8B79-37D633B846F1}">
-                <asvg:svgBlip xmlns:asvg="http://schemas.microsoft.com/office/drawing/2016/SVG/main" r:embed="rId6"/>
+                <asvg:svgBlip xmlns:asvg="http://schemas.microsoft.com/office/drawing/2016/SVG/main" r:embed="rId4"/>
               </a:ext>
             </a:extLst>
           </a:blip>
@@ -12061,21 +11891,6 @@
 <file path=ppt/slides/slide13.xml><?xml version="1.0" encoding="utf-8"?>
 <p:sld xmlns:a="http://schemas.openxmlformats.org/drawingml/2006/main" xmlns:r="http://schemas.openxmlformats.org/officeDocument/2006/relationships" xmlns:p="http://schemas.openxmlformats.org/presentationml/2006/main">
   <p:cSld>
-    <p:bg>
-      <p:bgPr>
-        <a:blipFill dpi="0" rotWithShape="1">
-          <a:blip r:embed="rId3">
-            <a:alphaModFix amt="70000"/>
-            <a:lum/>
-          </a:blip>
-          <a:srcRect/>
-          <a:stretch>
-            <a:fillRect t="-39000" b="-39000"/>
-          </a:stretch>
-        </a:blipFill>
-        <a:effectLst/>
-      </p:bgPr>
-    </p:bg>
     <p:spTree>
       <p:nvGrpSpPr>
         <p:cNvPr id="1" name=""/>
@@ -12090,42 +11905,6 @@
           <a:chExt cx="0" cy="0"/>
         </a:xfrm>
       </p:grpSpPr>
-      <p:pic>
-        <p:nvPicPr>
-          <p:cNvPr id="9" name="Picture 8">
-            <a:extLst>
-              <a:ext uri="{FF2B5EF4-FFF2-40B4-BE49-F238E27FC236}">
-                <a16:creationId xmlns:a16="http://schemas.microsoft.com/office/drawing/2014/main" id="{DF89AA1E-E77D-4509-94FF-4BEFE0691857}"/>
-              </a:ext>
-            </a:extLst>
-          </p:cNvPr>
-          <p:cNvPicPr>
-            <a:picLocks noChangeAspect="1"/>
-          </p:cNvPicPr>
-          <p:nvPr/>
-        </p:nvPicPr>
-        <p:blipFill>
-          <a:blip r:embed="rId4">
-            <a:extLst>
-              <a:ext uri="{28A0092B-C50C-407E-A947-70E740481C1C}">
-                <a14:useLocalDpi xmlns:a14="http://schemas.microsoft.com/office/drawing/2010/main" val="0"/>
-              </a:ext>
-            </a:extLst>
-          </a:blip>
-          <a:stretch>
-            <a:fillRect/>
-          </a:stretch>
-        </p:blipFill>
-        <p:spPr>
-          <a:xfrm>
-            <a:off x="171450" y="171450"/>
-            <a:ext cx="3705225" cy="949464"/>
-          </a:xfrm>
-          <a:prstGeom prst="rect">
-            <a:avLst/>
-          </a:prstGeom>
-        </p:spPr>
-      </p:pic>
       <p:sp>
         <p:nvSpPr>
           <p:cNvPr id="8" name="Title 7">
@@ -12195,13 +11974,13 @@
           <p:nvPr/>
         </p:nvPicPr>
         <p:blipFill>
-          <a:blip r:embed="rId5">
+          <a:blip r:embed="rId3">
             <a:extLst>
               <a:ext uri="{28A0092B-C50C-407E-A947-70E740481C1C}">
                 <a14:useLocalDpi xmlns:a14="http://schemas.microsoft.com/office/drawing/2010/main" val="0"/>
               </a:ext>
               <a:ext uri="{96DAC541-7B7A-43D3-8B79-37D633B846F1}">
-                <asvg:svgBlip xmlns:asvg="http://schemas.microsoft.com/office/drawing/2016/SVG/main" r:embed="rId6"/>
+                <asvg:svgBlip xmlns:asvg="http://schemas.microsoft.com/office/drawing/2016/SVG/main" r:embed="rId4"/>
               </a:ext>
             </a:extLst>
           </a:blip>
@@ -12234,7 +12013,7 @@
           <p:nvPr/>
         </p:nvPicPr>
         <p:blipFill>
-          <a:blip r:embed="rId7">
+          <a:blip r:embed="rId5">
             <a:extLst>
               <a:ext uri="{28A0092B-C50C-407E-A947-70E740481C1C}">
                 <a14:useLocalDpi xmlns:a14="http://schemas.microsoft.com/office/drawing/2010/main" val="0"/>
@@ -12271,21 +12050,6 @@
 <file path=ppt/slides/slide14.xml><?xml version="1.0" encoding="utf-8"?>
 <p:sld xmlns:a="http://schemas.openxmlformats.org/drawingml/2006/main" xmlns:r="http://schemas.openxmlformats.org/officeDocument/2006/relationships" xmlns:p="http://schemas.openxmlformats.org/presentationml/2006/main">
   <p:cSld>
-    <p:bg>
-      <p:bgPr>
-        <a:blipFill dpi="0" rotWithShape="1">
-          <a:blip r:embed="rId3">
-            <a:alphaModFix amt="70000"/>
-            <a:lum/>
-          </a:blip>
-          <a:srcRect/>
-          <a:stretch>
-            <a:fillRect t="-39000" b="-39000"/>
-          </a:stretch>
-        </a:blipFill>
-        <a:effectLst/>
-      </p:bgPr>
-    </p:bg>
     <p:spTree>
       <p:nvGrpSpPr>
         <p:cNvPr id="1" name=""/>
@@ -12300,42 +12064,6 @@
           <a:chExt cx="0" cy="0"/>
         </a:xfrm>
       </p:grpSpPr>
-      <p:pic>
-        <p:nvPicPr>
-          <p:cNvPr id="9" name="Picture 8">
-            <a:extLst>
-              <a:ext uri="{FF2B5EF4-FFF2-40B4-BE49-F238E27FC236}">
-                <a16:creationId xmlns:a16="http://schemas.microsoft.com/office/drawing/2014/main" id="{DF89AA1E-E77D-4509-94FF-4BEFE0691857}"/>
-              </a:ext>
-            </a:extLst>
-          </p:cNvPr>
-          <p:cNvPicPr>
-            <a:picLocks noChangeAspect="1"/>
-          </p:cNvPicPr>
-          <p:nvPr/>
-        </p:nvPicPr>
-        <p:blipFill>
-          <a:blip r:embed="rId4">
-            <a:extLst>
-              <a:ext uri="{28A0092B-C50C-407E-A947-70E740481C1C}">
-                <a14:useLocalDpi xmlns:a14="http://schemas.microsoft.com/office/drawing/2010/main" val="0"/>
-              </a:ext>
-            </a:extLst>
-          </a:blip>
-          <a:stretch>
-            <a:fillRect/>
-          </a:stretch>
-        </p:blipFill>
-        <p:spPr>
-          <a:xfrm>
-            <a:off x="171450" y="171450"/>
-            <a:ext cx="3705225" cy="949464"/>
-          </a:xfrm>
-          <a:prstGeom prst="rect">
-            <a:avLst/>
-          </a:prstGeom>
-        </p:spPr>
-      </p:pic>
       <p:sp>
         <p:nvSpPr>
           <p:cNvPr id="8" name="Title 7">
@@ -12405,13 +12133,13 @@
           <p:nvPr/>
         </p:nvPicPr>
         <p:blipFill>
-          <a:blip r:embed="rId5">
+          <a:blip r:embed="rId3">
             <a:extLst>
               <a:ext uri="{28A0092B-C50C-407E-A947-70E740481C1C}">
                 <a14:useLocalDpi xmlns:a14="http://schemas.microsoft.com/office/drawing/2010/main" val="0"/>
               </a:ext>
               <a:ext uri="{96DAC541-7B7A-43D3-8B79-37D633B846F1}">
-                <asvg:svgBlip xmlns:asvg="http://schemas.microsoft.com/office/drawing/2016/SVG/main" r:embed="rId6"/>
+                <asvg:svgBlip xmlns:asvg="http://schemas.microsoft.com/office/drawing/2016/SVG/main" r:embed="rId4"/>
               </a:ext>
             </a:extLst>
           </a:blip>
@@ -12444,7 +12172,7 @@
           <p:nvPr/>
         </p:nvPicPr>
         <p:blipFill>
-          <a:blip r:embed="rId7">
+          <a:blip r:embed="rId5">
             <a:extLst>
               <a:ext uri="{28A0092B-C50C-407E-A947-70E740481C1C}">
                 <a14:useLocalDpi xmlns:a14="http://schemas.microsoft.com/office/drawing/2010/main" val="0"/>
@@ -12491,7 +12219,7 @@
           <p:nvPr/>
         </p:nvPicPr>
         <p:blipFill>
-          <a:blip r:embed="rId7">
+          <a:blip r:embed="rId5">
             <a:extLst>
               <a:ext uri="{28A0092B-C50C-407E-A947-70E740481C1C}">
                 <a14:useLocalDpi xmlns:a14="http://schemas.microsoft.com/office/drawing/2010/main" val="0"/>
@@ -12538,7 +12266,7 @@
           <p:nvPr/>
         </p:nvPicPr>
         <p:blipFill>
-          <a:blip r:embed="rId7">
+          <a:blip r:embed="rId5">
             <a:extLst>
               <a:ext uri="{28A0092B-C50C-407E-A947-70E740481C1C}">
                 <a14:useLocalDpi xmlns:a14="http://schemas.microsoft.com/office/drawing/2010/main" val="0"/>
@@ -12600,42 +12328,6 @@
           <a:chExt cx="0" cy="0"/>
         </a:xfrm>
       </p:grpSpPr>
-      <p:pic>
-        <p:nvPicPr>
-          <p:cNvPr id="9" name="Picture 8">
-            <a:extLst>
-              <a:ext uri="{FF2B5EF4-FFF2-40B4-BE49-F238E27FC236}">
-                <a16:creationId xmlns:a16="http://schemas.microsoft.com/office/drawing/2014/main" id="{DF89AA1E-E77D-4509-94FF-4BEFE0691857}"/>
-              </a:ext>
-            </a:extLst>
-          </p:cNvPr>
-          <p:cNvPicPr>
-            <a:picLocks noChangeAspect="1"/>
-          </p:cNvPicPr>
-          <p:nvPr/>
-        </p:nvPicPr>
-        <p:blipFill>
-          <a:blip r:embed="rId3">
-            <a:extLst>
-              <a:ext uri="{28A0092B-C50C-407E-A947-70E740481C1C}">
-                <a14:useLocalDpi xmlns:a14="http://schemas.microsoft.com/office/drawing/2010/main" val="0"/>
-              </a:ext>
-            </a:extLst>
-          </a:blip>
-          <a:stretch>
-            <a:fillRect/>
-          </a:stretch>
-        </p:blipFill>
-        <p:spPr>
-          <a:xfrm>
-            <a:off x="171450" y="171450"/>
-            <a:ext cx="3705225" cy="949464"/>
-          </a:xfrm>
-          <a:prstGeom prst="rect">
-            <a:avLst/>
-          </a:prstGeom>
-        </p:spPr>
-      </p:pic>
       <p:sp>
         <p:nvSpPr>
           <p:cNvPr id="8" name="Title 7">
@@ -12705,13 +12397,13 @@
           <p:nvPr/>
         </p:nvPicPr>
         <p:blipFill>
-          <a:blip r:embed="rId4">
+          <a:blip r:embed="rId3">
             <a:extLst>
               <a:ext uri="{28A0092B-C50C-407E-A947-70E740481C1C}">
                 <a14:useLocalDpi xmlns:a14="http://schemas.microsoft.com/office/drawing/2010/main" val="0"/>
               </a:ext>
               <a:ext uri="{96DAC541-7B7A-43D3-8B79-37D633B846F1}">
-                <asvg:svgBlip xmlns:asvg="http://schemas.microsoft.com/office/drawing/2016/SVG/main" r:embed="rId5"/>
+                <asvg:svgBlip xmlns:asvg="http://schemas.microsoft.com/office/drawing/2016/SVG/main" r:embed="rId4"/>
               </a:ext>
             </a:extLst>
           </a:blip>
@@ -13022,21 +12714,6 @@
 <file path=ppt/slides/slide16.xml><?xml version="1.0" encoding="utf-8"?>
 <p:sld xmlns:a="http://schemas.openxmlformats.org/drawingml/2006/main" xmlns:r="http://schemas.openxmlformats.org/officeDocument/2006/relationships" xmlns:p="http://schemas.openxmlformats.org/presentationml/2006/main">
   <p:cSld>
-    <p:bg>
-      <p:bgPr>
-        <a:blipFill dpi="0" rotWithShape="1">
-          <a:blip r:embed="rId3">
-            <a:alphaModFix amt="70000"/>
-            <a:lum/>
-          </a:blip>
-          <a:srcRect/>
-          <a:stretch>
-            <a:fillRect t="-39000" b="-39000"/>
-          </a:stretch>
-        </a:blipFill>
-        <a:effectLst/>
-      </p:bgPr>
-    </p:bg>
     <p:spTree>
       <p:nvGrpSpPr>
         <p:cNvPr id="1" name=""/>
@@ -13051,42 +12728,6 @@
           <a:chExt cx="0" cy="0"/>
         </a:xfrm>
       </p:grpSpPr>
-      <p:pic>
-        <p:nvPicPr>
-          <p:cNvPr id="9" name="Picture 8">
-            <a:extLst>
-              <a:ext uri="{FF2B5EF4-FFF2-40B4-BE49-F238E27FC236}">
-                <a16:creationId xmlns:a16="http://schemas.microsoft.com/office/drawing/2014/main" id="{DF89AA1E-E77D-4509-94FF-4BEFE0691857}"/>
-              </a:ext>
-            </a:extLst>
-          </p:cNvPr>
-          <p:cNvPicPr>
-            <a:picLocks noChangeAspect="1"/>
-          </p:cNvPicPr>
-          <p:nvPr/>
-        </p:nvPicPr>
-        <p:blipFill>
-          <a:blip r:embed="rId4">
-            <a:extLst>
-              <a:ext uri="{28A0092B-C50C-407E-A947-70E740481C1C}">
-                <a14:useLocalDpi xmlns:a14="http://schemas.microsoft.com/office/drawing/2010/main" val="0"/>
-              </a:ext>
-            </a:extLst>
-          </a:blip>
-          <a:stretch>
-            <a:fillRect/>
-          </a:stretch>
-        </p:blipFill>
-        <p:spPr>
-          <a:xfrm>
-            <a:off x="171450" y="171450"/>
-            <a:ext cx="3705225" cy="949464"/>
-          </a:xfrm>
-          <a:prstGeom prst="rect">
-            <a:avLst/>
-          </a:prstGeom>
-        </p:spPr>
-      </p:pic>
       <p:sp>
         <p:nvSpPr>
           <p:cNvPr id="8" name="Title 7">
@@ -13156,13 +12797,13 @@
           <p:nvPr/>
         </p:nvPicPr>
         <p:blipFill>
-          <a:blip r:embed="rId5">
+          <a:blip r:embed="rId3">
             <a:extLst>
               <a:ext uri="{28A0092B-C50C-407E-A947-70E740481C1C}">
                 <a14:useLocalDpi xmlns:a14="http://schemas.microsoft.com/office/drawing/2010/main" val="0"/>
               </a:ext>
               <a:ext uri="{96DAC541-7B7A-43D3-8B79-37D633B846F1}">
-                <asvg:svgBlip xmlns:asvg="http://schemas.microsoft.com/office/drawing/2016/SVG/main" r:embed="rId6"/>
+                <asvg:svgBlip xmlns:asvg="http://schemas.microsoft.com/office/drawing/2016/SVG/main" r:embed="rId4"/>
               </a:ext>
             </a:extLst>
           </a:blip>
@@ -13449,21 +13090,6 @@
 <file path=ppt/slides/slide17.xml><?xml version="1.0" encoding="utf-8"?>
 <p:sld xmlns:a="http://schemas.openxmlformats.org/drawingml/2006/main" xmlns:r="http://schemas.openxmlformats.org/officeDocument/2006/relationships" xmlns:p="http://schemas.openxmlformats.org/presentationml/2006/main">
   <p:cSld>
-    <p:bg>
-      <p:bgPr>
-        <a:blipFill dpi="0" rotWithShape="1">
-          <a:blip r:embed="rId3">
-            <a:alphaModFix amt="70000"/>
-            <a:lum/>
-          </a:blip>
-          <a:srcRect/>
-          <a:stretch>
-            <a:fillRect t="-39000" b="-39000"/>
-          </a:stretch>
-        </a:blipFill>
-        <a:effectLst/>
-      </p:bgPr>
-    </p:bg>
     <p:spTree>
       <p:nvGrpSpPr>
         <p:cNvPr id="1" name=""/>
@@ -13478,42 +13104,6 @@
           <a:chExt cx="0" cy="0"/>
         </a:xfrm>
       </p:grpSpPr>
-      <p:pic>
-        <p:nvPicPr>
-          <p:cNvPr id="9" name="Picture 8">
-            <a:extLst>
-              <a:ext uri="{FF2B5EF4-FFF2-40B4-BE49-F238E27FC236}">
-                <a16:creationId xmlns:a16="http://schemas.microsoft.com/office/drawing/2014/main" id="{DF89AA1E-E77D-4509-94FF-4BEFE0691857}"/>
-              </a:ext>
-            </a:extLst>
-          </p:cNvPr>
-          <p:cNvPicPr>
-            <a:picLocks noChangeAspect="1"/>
-          </p:cNvPicPr>
-          <p:nvPr/>
-        </p:nvPicPr>
-        <p:blipFill>
-          <a:blip r:embed="rId4">
-            <a:extLst>
-              <a:ext uri="{28A0092B-C50C-407E-A947-70E740481C1C}">
-                <a14:useLocalDpi xmlns:a14="http://schemas.microsoft.com/office/drawing/2010/main" val="0"/>
-              </a:ext>
-            </a:extLst>
-          </a:blip>
-          <a:stretch>
-            <a:fillRect/>
-          </a:stretch>
-        </p:blipFill>
-        <p:spPr>
-          <a:xfrm>
-            <a:off x="171450" y="171450"/>
-            <a:ext cx="3705225" cy="949464"/>
-          </a:xfrm>
-          <a:prstGeom prst="rect">
-            <a:avLst/>
-          </a:prstGeom>
-        </p:spPr>
-      </p:pic>
       <p:sp>
         <p:nvSpPr>
           <p:cNvPr id="8" name="Title 7">
@@ -13583,13 +13173,13 @@
           <p:nvPr/>
         </p:nvPicPr>
         <p:blipFill>
-          <a:blip r:embed="rId5">
+          <a:blip r:embed="rId3">
             <a:extLst>
               <a:ext uri="{28A0092B-C50C-407E-A947-70E740481C1C}">
                 <a14:useLocalDpi xmlns:a14="http://schemas.microsoft.com/office/drawing/2010/main" val="0"/>
               </a:ext>
               <a:ext uri="{96DAC541-7B7A-43D3-8B79-37D633B846F1}">
-                <asvg:svgBlip xmlns:asvg="http://schemas.microsoft.com/office/drawing/2016/SVG/main" r:embed="rId6"/>
+                <asvg:svgBlip xmlns:asvg="http://schemas.microsoft.com/office/drawing/2016/SVG/main" r:embed="rId4"/>
               </a:ext>
             </a:extLst>
           </a:blip>
@@ -13942,21 +13532,6 @@
 <file path=ppt/slides/slide18.xml><?xml version="1.0" encoding="utf-8"?>
 <p:sld xmlns:a="http://schemas.openxmlformats.org/drawingml/2006/main" xmlns:r="http://schemas.openxmlformats.org/officeDocument/2006/relationships" xmlns:p="http://schemas.openxmlformats.org/presentationml/2006/main">
   <p:cSld>
-    <p:bg>
-      <p:bgPr>
-        <a:blipFill dpi="0" rotWithShape="1">
-          <a:blip r:embed="rId3">
-            <a:alphaModFix amt="70000"/>
-            <a:lum/>
-          </a:blip>
-          <a:srcRect/>
-          <a:stretch>
-            <a:fillRect t="-39000" b="-39000"/>
-          </a:stretch>
-        </a:blipFill>
-        <a:effectLst/>
-      </p:bgPr>
-    </p:bg>
     <p:spTree>
       <p:nvGrpSpPr>
         <p:cNvPr id="1" name=""/>
@@ -13971,42 +13546,6 @@
           <a:chExt cx="0" cy="0"/>
         </a:xfrm>
       </p:grpSpPr>
-      <p:pic>
-        <p:nvPicPr>
-          <p:cNvPr id="9" name="Picture 8">
-            <a:extLst>
-              <a:ext uri="{FF2B5EF4-FFF2-40B4-BE49-F238E27FC236}">
-                <a16:creationId xmlns:a16="http://schemas.microsoft.com/office/drawing/2014/main" id="{DF89AA1E-E77D-4509-94FF-4BEFE0691857}"/>
-              </a:ext>
-            </a:extLst>
-          </p:cNvPr>
-          <p:cNvPicPr>
-            <a:picLocks noChangeAspect="1"/>
-          </p:cNvPicPr>
-          <p:nvPr/>
-        </p:nvPicPr>
-        <p:blipFill>
-          <a:blip r:embed="rId4">
-            <a:extLst>
-              <a:ext uri="{28A0092B-C50C-407E-A947-70E740481C1C}">
-                <a14:useLocalDpi xmlns:a14="http://schemas.microsoft.com/office/drawing/2010/main" val="0"/>
-              </a:ext>
-            </a:extLst>
-          </a:blip>
-          <a:stretch>
-            <a:fillRect/>
-          </a:stretch>
-        </p:blipFill>
-        <p:spPr>
-          <a:xfrm>
-            <a:off x="171450" y="171450"/>
-            <a:ext cx="3705225" cy="949464"/>
-          </a:xfrm>
-          <a:prstGeom prst="rect">
-            <a:avLst/>
-          </a:prstGeom>
-        </p:spPr>
-      </p:pic>
       <p:sp>
         <p:nvSpPr>
           <p:cNvPr id="8" name="Title 7">
@@ -14076,13 +13615,13 @@
           <p:nvPr/>
         </p:nvPicPr>
         <p:blipFill>
-          <a:blip r:embed="rId5">
+          <a:blip r:embed="rId3">
             <a:extLst>
               <a:ext uri="{28A0092B-C50C-407E-A947-70E740481C1C}">
                 <a14:useLocalDpi xmlns:a14="http://schemas.microsoft.com/office/drawing/2010/main" val="0"/>
               </a:ext>
               <a:ext uri="{96DAC541-7B7A-43D3-8B79-37D633B846F1}">
-                <asvg:svgBlip xmlns:asvg="http://schemas.microsoft.com/office/drawing/2016/SVG/main" r:embed="rId6"/>
+                <asvg:svgBlip xmlns:asvg="http://schemas.microsoft.com/office/drawing/2016/SVG/main" r:embed="rId4"/>
               </a:ext>
             </a:extLst>
           </a:blip>
@@ -14383,21 +13922,6 @@
 <file path=ppt/slides/slide19.xml><?xml version="1.0" encoding="utf-8"?>
 <p:sld xmlns:a="http://schemas.openxmlformats.org/drawingml/2006/main" xmlns:r="http://schemas.openxmlformats.org/officeDocument/2006/relationships" xmlns:p="http://schemas.openxmlformats.org/presentationml/2006/main">
   <p:cSld>
-    <p:bg>
-      <p:bgPr>
-        <a:blipFill dpi="0" rotWithShape="1">
-          <a:blip r:embed="rId3">
-            <a:alphaModFix amt="70000"/>
-            <a:lum/>
-          </a:blip>
-          <a:srcRect/>
-          <a:stretch>
-            <a:fillRect t="-39000" b="-39000"/>
-          </a:stretch>
-        </a:blipFill>
-        <a:effectLst/>
-      </p:bgPr>
-    </p:bg>
     <p:spTree>
       <p:nvGrpSpPr>
         <p:cNvPr id="1" name=""/>
@@ -14412,42 +13936,6 @@
           <a:chExt cx="0" cy="0"/>
         </a:xfrm>
       </p:grpSpPr>
-      <p:pic>
-        <p:nvPicPr>
-          <p:cNvPr id="9" name="Picture 8">
-            <a:extLst>
-              <a:ext uri="{FF2B5EF4-FFF2-40B4-BE49-F238E27FC236}">
-                <a16:creationId xmlns:a16="http://schemas.microsoft.com/office/drawing/2014/main" id="{DF89AA1E-E77D-4509-94FF-4BEFE0691857}"/>
-              </a:ext>
-            </a:extLst>
-          </p:cNvPr>
-          <p:cNvPicPr>
-            <a:picLocks noChangeAspect="1"/>
-          </p:cNvPicPr>
-          <p:nvPr/>
-        </p:nvPicPr>
-        <p:blipFill>
-          <a:blip r:embed="rId4">
-            <a:extLst>
-              <a:ext uri="{28A0092B-C50C-407E-A947-70E740481C1C}">
-                <a14:useLocalDpi xmlns:a14="http://schemas.microsoft.com/office/drawing/2010/main" val="0"/>
-              </a:ext>
-            </a:extLst>
-          </a:blip>
-          <a:stretch>
-            <a:fillRect/>
-          </a:stretch>
-        </p:blipFill>
-        <p:spPr>
-          <a:xfrm>
-            <a:off x="171450" y="171450"/>
-            <a:ext cx="3705225" cy="949464"/>
-          </a:xfrm>
-          <a:prstGeom prst="rect">
-            <a:avLst/>
-          </a:prstGeom>
-        </p:spPr>
-      </p:pic>
       <p:sp>
         <p:nvSpPr>
           <p:cNvPr id="8" name="Title 7">
@@ -14517,13 +14005,13 @@
           <p:nvPr/>
         </p:nvPicPr>
         <p:blipFill>
-          <a:blip r:embed="rId5">
+          <a:blip r:embed="rId3">
             <a:extLst>
               <a:ext uri="{28A0092B-C50C-407E-A947-70E740481C1C}">
                 <a14:useLocalDpi xmlns:a14="http://schemas.microsoft.com/office/drawing/2010/main" val="0"/>
               </a:ext>
               <a:ext uri="{96DAC541-7B7A-43D3-8B79-37D633B846F1}">
-                <asvg:svgBlip xmlns:asvg="http://schemas.microsoft.com/office/drawing/2016/SVG/main" r:embed="rId6"/>
+                <asvg:svgBlip xmlns:asvg="http://schemas.microsoft.com/office/drawing/2016/SVG/main" r:embed="rId4"/>
               </a:ext>
             </a:extLst>
           </a:blip>
@@ -14556,7 +14044,7 @@
           <p:nvPr/>
         </p:nvPicPr>
         <p:blipFill>
-          <a:blip r:embed="rId7">
+          <a:blip r:embed="rId5">
             <a:extLst>
               <a:ext uri="{28A0092B-C50C-407E-A947-70E740481C1C}">
                 <a14:useLocalDpi xmlns:a14="http://schemas.microsoft.com/office/drawing/2010/main" val="0"/>
@@ -14592,7 +14080,7 @@
           <p:nvPr/>
         </p:nvPicPr>
         <p:blipFill>
-          <a:blip r:embed="rId8">
+          <a:blip r:embed="rId6">
             <a:extLst>
               <a:ext uri="{28A0092B-C50C-407E-A947-70E740481C1C}">
                 <a14:useLocalDpi xmlns:a14="http://schemas.microsoft.com/office/drawing/2010/main" val="0"/>
@@ -14640,21 +14128,6 @@
 <file path=ppt/slides/slide2.xml><?xml version="1.0" encoding="utf-8"?>
 <p:sld xmlns:a="http://schemas.openxmlformats.org/drawingml/2006/main" xmlns:r="http://schemas.openxmlformats.org/officeDocument/2006/relationships" xmlns:p="http://schemas.openxmlformats.org/presentationml/2006/main">
   <p:cSld>
-    <p:bg>
-      <p:bgPr>
-        <a:blipFill dpi="0" rotWithShape="1">
-          <a:blip r:embed="rId2">
-            <a:alphaModFix amt="70000"/>
-            <a:lum/>
-          </a:blip>
-          <a:srcRect/>
-          <a:stretch>
-            <a:fillRect t="-39000" b="-39000"/>
-          </a:stretch>
-        </a:blipFill>
-        <a:effectLst/>
-      </p:bgPr>
-    </p:bg>
     <p:spTree>
       <p:nvGrpSpPr>
         <p:cNvPr id="1" name=""/>
@@ -14671,42 +14144,6 @@
       </p:grpSpPr>
       <p:pic>
         <p:nvPicPr>
-          <p:cNvPr id="9" name="Picture 8">
-            <a:extLst>
-              <a:ext uri="{FF2B5EF4-FFF2-40B4-BE49-F238E27FC236}">
-                <a16:creationId xmlns:a16="http://schemas.microsoft.com/office/drawing/2014/main" id="{DF89AA1E-E77D-4509-94FF-4BEFE0691857}"/>
-              </a:ext>
-            </a:extLst>
-          </p:cNvPr>
-          <p:cNvPicPr>
-            <a:picLocks noChangeAspect="1"/>
-          </p:cNvPicPr>
-          <p:nvPr/>
-        </p:nvPicPr>
-        <p:blipFill>
-          <a:blip r:embed="rId3">
-            <a:extLst>
-              <a:ext uri="{28A0092B-C50C-407E-A947-70E740481C1C}">
-                <a14:useLocalDpi xmlns:a14="http://schemas.microsoft.com/office/drawing/2010/main" val="0"/>
-              </a:ext>
-            </a:extLst>
-          </a:blip>
-          <a:stretch>
-            <a:fillRect/>
-          </a:stretch>
-        </p:blipFill>
-        <p:spPr>
-          <a:xfrm>
-            <a:off x="171450" y="171450"/>
-            <a:ext cx="3705225" cy="949464"/>
-          </a:xfrm>
-          <a:prstGeom prst="rect">
-            <a:avLst/>
-          </a:prstGeom>
-        </p:spPr>
-      </p:pic>
-      <p:pic>
-        <p:nvPicPr>
           <p:cNvPr id="13" name="Picture 12">
             <a:extLst>
               <a:ext uri="{FF2B5EF4-FFF2-40B4-BE49-F238E27FC236}">
@@ -14720,7 +14157,7 @@
           <p:nvPr/>
         </p:nvPicPr>
         <p:blipFill>
-          <a:blip r:embed="rId4">
+          <a:blip r:embed="rId2">
             <a:extLst>
               <a:ext uri="{28A0092B-C50C-407E-A947-70E740481C1C}">
                 <a14:useLocalDpi xmlns:a14="http://schemas.microsoft.com/office/drawing/2010/main" val="0"/>
@@ -14757,21 +14194,6 @@
 <file path=ppt/slides/slide20.xml><?xml version="1.0" encoding="utf-8"?>
 <p:sld xmlns:a="http://schemas.openxmlformats.org/drawingml/2006/main" xmlns:r="http://schemas.openxmlformats.org/officeDocument/2006/relationships" xmlns:p="http://schemas.openxmlformats.org/presentationml/2006/main">
   <p:cSld>
-    <p:bg>
-      <p:bgPr>
-        <a:blipFill dpi="0" rotWithShape="1">
-          <a:blip r:embed="rId3">
-            <a:alphaModFix amt="70000"/>
-            <a:lum/>
-          </a:blip>
-          <a:srcRect/>
-          <a:stretch>
-            <a:fillRect t="-39000" b="-39000"/>
-          </a:stretch>
-        </a:blipFill>
-        <a:effectLst/>
-      </p:bgPr>
-    </p:bg>
     <p:spTree>
       <p:nvGrpSpPr>
         <p:cNvPr id="1" name=""/>
@@ -14786,42 +14208,6 @@
           <a:chExt cx="0" cy="0"/>
         </a:xfrm>
       </p:grpSpPr>
-      <p:pic>
-        <p:nvPicPr>
-          <p:cNvPr id="9" name="Picture 8">
-            <a:extLst>
-              <a:ext uri="{FF2B5EF4-FFF2-40B4-BE49-F238E27FC236}">
-                <a16:creationId xmlns:a16="http://schemas.microsoft.com/office/drawing/2014/main" id="{DF89AA1E-E77D-4509-94FF-4BEFE0691857}"/>
-              </a:ext>
-            </a:extLst>
-          </p:cNvPr>
-          <p:cNvPicPr>
-            <a:picLocks noChangeAspect="1"/>
-          </p:cNvPicPr>
-          <p:nvPr/>
-        </p:nvPicPr>
-        <p:blipFill>
-          <a:blip r:embed="rId4">
-            <a:extLst>
-              <a:ext uri="{28A0092B-C50C-407E-A947-70E740481C1C}">
-                <a14:useLocalDpi xmlns:a14="http://schemas.microsoft.com/office/drawing/2010/main" val="0"/>
-              </a:ext>
-            </a:extLst>
-          </a:blip>
-          <a:stretch>
-            <a:fillRect/>
-          </a:stretch>
-        </p:blipFill>
-        <p:spPr>
-          <a:xfrm>
-            <a:off x="171450" y="171450"/>
-            <a:ext cx="3705225" cy="949464"/>
-          </a:xfrm>
-          <a:prstGeom prst="rect">
-            <a:avLst/>
-          </a:prstGeom>
-        </p:spPr>
-      </p:pic>
       <p:sp>
         <p:nvSpPr>
           <p:cNvPr id="8" name="Title 7">
@@ -14891,13 +14277,13 @@
           <p:nvPr/>
         </p:nvPicPr>
         <p:blipFill>
-          <a:blip r:embed="rId5">
+          <a:blip r:embed="rId3">
             <a:extLst>
               <a:ext uri="{28A0092B-C50C-407E-A947-70E740481C1C}">
                 <a14:useLocalDpi xmlns:a14="http://schemas.microsoft.com/office/drawing/2010/main" val="0"/>
               </a:ext>
               <a:ext uri="{96DAC541-7B7A-43D3-8B79-37D633B846F1}">
-                <asvg:svgBlip xmlns:asvg="http://schemas.microsoft.com/office/drawing/2016/SVG/main" r:embed="rId6"/>
+                <asvg:svgBlip xmlns:asvg="http://schemas.microsoft.com/office/drawing/2016/SVG/main" r:embed="rId4"/>
               </a:ext>
             </a:extLst>
           </a:blip>
@@ -15184,21 +14570,6 @@
 <file path=ppt/slides/slide21.xml><?xml version="1.0" encoding="utf-8"?>
 <p:sld xmlns:a="http://schemas.openxmlformats.org/drawingml/2006/main" xmlns:r="http://schemas.openxmlformats.org/officeDocument/2006/relationships" xmlns:p="http://schemas.openxmlformats.org/presentationml/2006/main">
   <p:cSld>
-    <p:bg>
-      <p:bgPr>
-        <a:blipFill dpi="0" rotWithShape="1">
-          <a:blip r:embed="rId3">
-            <a:alphaModFix amt="70000"/>
-            <a:lum/>
-          </a:blip>
-          <a:srcRect/>
-          <a:stretch>
-            <a:fillRect t="-39000" b="-39000"/>
-          </a:stretch>
-        </a:blipFill>
-        <a:effectLst/>
-      </p:bgPr>
-    </p:bg>
     <p:spTree>
       <p:nvGrpSpPr>
         <p:cNvPr id="1" name=""/>
@@ -15213,42 +14584,6 @@
           <a:chExt cx="0" cy="0"/>
         </a:xfrm>
       </p:grpSpPr>
-      <p:pic>
-        <p:nvPicPr>
-          <p:cNvPr id="9" name="Picture 8">
-            <a:extLst>
-              <a:ext uri="{FF2B5EF4-FFF2-40B4-BE49-F238E27FC236}">
-                <a16:creationId xmlns:a16="http://schemas.microsoft.com/office/drawing/2014/main" id="{DF89AA1E-E77D-4509-94FF-4BEFE0691857}"/>
-              </a:ext>
-            </a:extLst>
-          </p:cNvPr>
-          <p:cNvPicPr>
-            <a:picLocks noChangeAspect="1"/>
-          </p:cNvPicPr>
-          <p:nvPr/>
-        </p:nvPicPr>
-        <p:blipFill>
-          <a:blip r:embed="rId4">
-            <a:extLst>
-              <a:ext uri="{28A0092B-C50C-407E-A947-70E740481C1C}">
-                <a14:useLocalDpi xmlns:a14="http://schemas.microsoft.com/office/drawing/2010/main" val="0"/>
-              </a:ext>
-            </a:extLst>
-          </a:blip>
-          <a:stretch>
-            <a:fillRect/>
-          </a:stretch>
-        </p:blipFill>
-        <p:spPr>
-          <a:xfrm>
-            <a:off x="171450" y="171450"/>
-            <a:ext cx="3705225" cy="949464"/>
-          </a:xfrm>
-          <a:prstGeom prst="rect">
-            <a:avLst/>
-          </a:prstGeom>
-        </p:spPr>
-      </p:pic>
       <p:sp>
         <p:nvSpPr>
           <p:cNvPr id="8" name="Title 7">
@@ -15318,13 +14653,13 @@
           <p:nvPr/>
         </p:nvPicPr>
         <p:blipFill>
-          <a:blip r:embed="rId5">
+          <a:blip r:embed="rId3">
             <a:extLst>
               <a:ext uri="{28A0092B-C50C-407E-A947-70E740481C1C}">
                 <a14:useLocalDpi xmlns:a14="http://schemas.microsoft.com/office/drawing/2010/main" val="0"/>
               </a:ext>
               <a:ext uri="{96DAC541-7B7A-43D3-8B79-37D633B846F1}">
-                <asvg:svgBlip xmlns:asvg="http://schemas.microsoft.com/office/drawing/2016/SVG/main" r:embed="rId6"/>
+                <asvg:svgBlip xmlns:asvg="http://schemas.microsoft.com/office/drawing/2016/SVG/main" r:embed="rId4"/>
               </a:ext>
             </a:extLst>
           </a:blip>
@@ -15668,21 +15003,6 @@
 <file path=ppt/slides/slide22.xml><?xml version="1.0" encoding="utf-8"?>
 <p:sld xmlns:a="http://schemas.openxmlformats.org/drawingml/2006/main" xmlns:r="http://schemas.openxmlformats.org/officeDocument/2006/relationships" xmlns:p="http://schemas.openxmlformats.org/presentationml/2006/main">
   <p:cSld>
-    <p:bg>
-      <p:bgPr>
-        <a:blipFill dpi="0" rotWithShape="1">
-          <a:blip r:embed="rId3">
-            <a:alphaModFix amt="70000"/>
-            <a:lum/>
-          </a:blip>
-          <a:srcRect/>
-          <a:stretch>
-            <a:fillRect t="-39000" b="-39000"/>
-          </a:stretch>
-        </a:blipFill>
-        <a:effectLst/>
-      </p:bgPr>
-    </p:bg>
     <p:spTree>
       <p:nvGrpSpPr>
         <p:cNvPr id="1" name=""/>
@@ -15697,42 +15017,6 @@
           <a:chExt cx="0" cy="0"/>
         </a:xfrm>
       </p:grpSpPr>
-      <p:pic>
-        <p:nvPicPr>
-          <p:cNvPr id="9" name="Picture 8">
-            <a:extLst>
-              <a:ext uri="{FF2B5EF4-FFF2-40B4-BE49-F238E27FC236}">
-                <a16:creationId xmlns:a16="http://schemas.microsoft.com/office/drawing/2014/main" id="{DF89AA1E-E77D-4509-94FF-4BEFE0691857}"/>
-              </a:ext>
-            </a:extLst>
-          </p:cNvPr>
-          <p:cNvPicPr>
-            <a:picLocks noChangeAspect="1"/>
-          </p:cNvPicPr>
-          <p:nvPr/>
-        </p:nvPicPr>
-        <p:blipFill>
-          <a:blip r:embed="rId4">
-            <a:extLst>
-              <a:ext uri="{28A0092B-C50C-407E-A947-70E740481C1C}">
-                <a14:useLocalDpi xmlns:a14="http://schemas.microsoft.com/office/drawing/2010/main" val="0"/>
-              </a:ext>
-            </a:extLst>
-          </a:blip>
-          <a:stretch>
-            <a:fillRect/>
-          </a:stretch>
-        </p:blipFill>
-        <p:spPr>
-          <a:xfrm>
-            <a:off x="171450" y="171450"/>
-            <a:ext cx="3705225" cy="949464"/>
-          </a:xfrm>
-          <a:prstGeom prst="rect">
-            <a:avLst/>
-          </a:prstGeom>
-        </p:spPr>
-      </p:pic>
       <p:sp>
         <p:nvSpPr>
           <p:cNvPr id="8" name="Title 7">
@@ -15802,13 +15086,13 @@
           <p:nvPr/>
         </p:nvPicPr>
         <p:blipFill>
-          <a:blip r:embed="rId5">
+          <a:blip r:embed="rId3">
             <a:extLst>
               <a:ext uri="{28A0092B-C50C-407E-A947-70E740481C1C}">
                 <a14:useLocalDpi xmlns:a14="http://schemas.microsoft.com/office/drawing/2010/main" val="0"/>
               </a:ext>
               <a:ext uri="{96DAC541-7B7A-43D3-8B79-37D633B846F1}">
-                <asvg:svgBlip xmlns:asvg="http://schemas.microsoft.com/office/drawing/2016/SVG/main" r:embed="rId6"/>
+                <asvg:svgBlip xmlns:asvg="http://schemas.microsoft.com/office/drawing/2016/SVG/main" r:embed="rId4"/>
               </a:ext>
             </a:extLst>
           </a:blip>
@@ -16121,21 +15405,6 @@
 <file path=ppt/slides/slide23.xml><?xml version="1.0" encoding="utf-8"?>
 <p:sld xmlns:a="http://schemas.openxmlformats.org/drawingml/2006/main" xmlns:r="http://schemas.openxmlformats.org/officeDocument/2006/relationships" xmlns:p="http://schemas.openxmlformats.org/presentationml/2006/main">
   <p:cSld>
-    <p:bg>
-      <p:bgPr>
-        <a:blipFill dpi="0" rotWithShape="1">
-          <a:blip r:embed="rId3">
-            <a:alphaModFix amt="70000"/>
-            <a:lum/>
-          </a:blip>
-          <a:srcRect/>
-          <a:stretch>
-            <a:fillRect t="-39000" b="-39000"/>
-          </a:stretch>
-        </a:blipFill>
-        <a:effectLst/>
-      </p:bgPr>
-    </p:bg>
     <p:spTree>
       <p:nvGrpSpPr>
         <p:cNvPr id="1" name=""/>
@@ -16150,42 +15419,6 @@
           <a:chExt cx="0" cy="0"/>
         </a:xfrm>
       </p:grpSpPr>
-      <p:pic>
-        <p:nvPicPr>
-          <p:cNvPr id="9" name="Picture 8">
-            <a:extLst>
-              <a:ext uri="{FF2B5EF4-FFF2-40B4-BE49-F238E27FC236}">
-                <a16:creationId xmlns:a16="http://schemas.microsoft.com/office/drawing/2014/main" id="{DF89AA1E-E77D-4509-94FF-4BEFE0691857}"/>
-              </a:ext>
-            </a:extLst>
-          </p:cNvPr>
-          <p:cNvPicPr>
-            <a:picLocks noChangeAspect="1"/>
-          </p:cNvPicPr>
-          <p:nvPr/>
-        </p:nvPicPr>
-        <p:blipFill>
-          <a:blip r:embed="rId4">
-            <a:extLst>
-              <a:ext uri="{28A0092B-C50C-407E-A947-70E740481C1C}">
-                <a14:useLocalDpi xmlns:a14="http://schemas.microsoft.com/office/drawing/2010/main" val="0"/>
-              </a:ext>
-            </a:extLst>
-          </a:blip>
-          <a:stretch>
-            <a:fillRect/>
-          </a:stretch>
-        </p:blipFill>
-        <p:spPr>
-          <a:xfrm>
-            <a:off x="171450" y="171450"/>
-            <a:ext cx="3705225" cy="949464"/>
-          </a:xfrm>
-          <a:prstGeom prst="rect">
-            <a:avLst/>
-          </a:prstGeom>
-        </p:spPr>
-      </p:pic>
       <p:sp>
         <p:nvSpPr>
           <p:cNvPr id="8" name="Title 7">
@@ -16255,13 +15488,13 @@
           <p:nvPr/>
         </p:nvPicPr>
         <p:blipFill>
-          <a:blip r:embed="rId5">
+          <a:blip r:embed="rId3">
             <a:extLst>
               <a:ext uri="{28A0092B-C50C-407E-A947-70E740481C1C}">
                 <a14:useLocalDpi xmlns:a14="http://schemas.microsoft.com/office/drawing/2010/main" val="0"/>
               </a:ext>
               <a:ext uri="{96DAC541-7B7A-43D3-8B79-37D633B846F1}">
-                <asvg:svgBlip xmlns:asvg="http://schemas.microsoft.com/office/drawing/2016/SVG/main" r:embed="rId6"/>
+                <asvg:svgBlip xmlns:asvg="http://schemas.microsoft.com/office/drawing/2016/SVG/main" r:embed="rId4"/>
               </a:ext>
             </a:extLst>
           </a:blip>
@@ -16294,7 +15527,7 @@
           <p:nvPr/>
         </p:nvPicPr>
         <p:blipFill>
-          <a:blip r:embed="rId7">
+          <a:blip r:embed="rId5">
             <a:extLst>
               <a:ext uri="{28A0092B-C50C-407E-A947-70E740481C1C}">
                 <a14:useLocalDpi xmlns:a14="http://schemas.microsoft.com/office/drawing/2010/main" val="0"/>
@@ -16342,21 +15575,6 @@
 <file path=ppt/slides/slide24.xml><?xml version="1.0" encoding="utf-8"?>
 <p:sld xmlns:a="http://schemas.openxmlformats.org/drawingml/2006/main" xmlns:r="http://schemas.openxmlformats.org/officeDocument/2006/relationships" xmlns:p="http://schemas.openxmlformats.org/presentationml/2006/main">
   <p:cSld>
-    <p:bg>
-      <p:bgPr>
-        <a:blipFill dpi="0" rotWithShape="1">
-          <a:blip r:embed="rId3">
-            <a:alphaModFix amt="70000"/>
-            <a:lum/>
-          </a:blip>
-          <a:srcRect/>
-          <a:stretch>
-            <a:fillRect t="-39000" b="-39000"/>
-          </a:stretch>
-        </a:blipFill>
-        <a:effectLst/>
-      </p:bgPr>
-    </p:bg>
     <p:spTree>
       <p:nvGrpSpPr>
         <p:cNvPr id="1" name=""/>
@@ -16371,42 +15589,6 @@
           <a:chExt cx="0" cy="0"/>
         </a:xfrm>
       </p:grpSpPr>
-      <p:pic>
-        <p:nvPicPr>
-          <p:cNvPr id="9" name="Picture 8">
-            <a:extLst>
-              <a:ext uri="{FF2B5EF4-FFF2-40B4-BE49-F238E27FC236}">
-                <a16:creationId xmlns:a16="http://schemas.microsoft.com/office/drawing/2014/main" id="{DF89AA1E-E77D-4509-94FF-4BEFE0691857}"/>
-              </a:ext>
-            </a:extLst>
-          </p:cNvPr>
-          <p:cNvPicPr>
-            <a:picLocks noChangeAspect="1"/>
-          </p:cNvPicPr>
-          <p:nvPr/>
-        </p:nvPicPr>
-        <p:blipFill>
-          <a:blip r:embed="rId4">
-            <a:extLst>
-              <a:ext uri="{28A0092B-C50C-407E-A947-70E740481C1C}">
-                <a14:useLocalDpi xmlns:a14="http://schemas.microsoft.com/office/drawing/2010/main" val="0"/>
-              </a:ext>
-            </a:extLst>
-          </a:blip>
-          <a:stretch>
-            <a:fillRect/>
-          </a:stretch>
-        </p:blipFill>
-        <p:spPr>
-          <a:xfrm>
-            <a:off x="171450" y="171450"/>
-            <a:ext cx="3705225" cy="949464"/>
-          </a:xfrm>
-          <a:prstGeom prst="rect">
-            <a:avLst/>
-          </a:prstGeom>
-        </p:spPr>
-      </p:pic>
       <p:sp>
         <p:nvSpPr>
           <p:cNvPr id="8" name="Title 7">
@@ -16476,13 +15658,13 @@
           <p:nvPr/>
         </p:nvPicPr>
         <p:blipFill>
-          <a:blip r:embed="rId5">
+          <a:blip r:embed="rId3">
             <a:extLst>
               <a:ext uri="{28A0092B-C50C-407E-A947-70E740481C1C}">
                 <a14:useLocalDpi xmlns:a14="http://schemas.microsoft.com/office/drawing/2010/main" val="0"/>
               </a:ext>
               <a:ext uri="{96DAC541-7B7A-43D3-8B79-37D633B846F1}">
-                <asvg:svgBlip xmlns:asvg="http://schemas.microsoft.com/office/drawing/2016/SVG/main" r:embed="rId6"/>
+                <asvg:svgBlip xmlns:asvg="http://schemas.microsoft.com/office/drawing/2016/SVG/main" r:embed="rId4"/>
               </a:ext>
             </a:extLst>
           </a:blip>
@@ -16814,21 +15996,6 @@
 <file path=ppt/slides/slide25.xml><?xml version="1.0" encoding="utf-8"?>
 <p:sld xmlns:a="http://schemas.openxmlformats.org/drawingml/2006/main" xmlns:r="http://schemas.openxmlformats.org/officeDocument/2006/relationships" xmlns:p="http://schemas.openxmlformats.org/presentationml/2006/main">
   <p:cSld>
-    <p:bg>
-      <p:bgPr>
-        <a:blipFill dpi="0" rotWithShape="1">
-          <a:blip r:embed="rId3">
-            <a:alphaModFix amt="70000"/>
-            <a:lum/>
-          </a:blip>
-          <a:srcRect/>
-          <a:stretch>
-            <a:fillRect t="-39000" b="-39000"/>
-          </a:stretch>
-        </a:blipFill>
-        <a:effectLst/>
-      </p:bgPr>
-    </p:bg>
     <p:spTree>
       <p:nvGrpSpPr>
         <p:cNvPr id="1" name=""/>
@@ -16843,42 +16010,6 @@
           <a:chExt cx="0" cy="0"/>
         </a:xfrm>
       </p:grpSpPr>
-      <p:pic>
-        <p:nvPicPr>
-          <p:cNvPr id="9" name="Picture 8">
-            <a:extLst>
-              <a:ext uri="{FF2B5EF4-FFF2-40B4-BE49-F238E27FC236}">
-                <a16:creationId xmlns:a16="http://schemas.microsoft.com/office/drawing/2014/main" id="{DF89AA1E-E77D-4509-94FF-4BEFE0691857}"/>
-              </a:ext>
-            </a:extLst>
-          </p:cNvPr>
-          <p:cNvPicPr>
-            <a:picLocks noChangeAspect="1"/>
-          </p:cNvPicPr>
-          <p:nvPr/>
-        </p:nvPicPr>
-        <p:blipFill>
-          <a:blip r:embed="rId4">
-            <a:extLst>
-              <a:ext uri="{28A0092B-C50C-407E-A947-70E740481C1C}">
-                <a14:useLocalDpi xmlns:a14="http://schemas.microsoft.com/office/drawing/2010/main" val="0"/>
-              </a:ext>
-            </a:extLst>
-          </a:blip>
-          <a:stretch>
-            <a:fillRect/>
-          </a:stretch>
-        </p:blipFill>
-        <p:spPr>
-          <a:xfrm>
-            <a:off x="171450" y="171450"/>
-            <a:ext cx="3705225" cy="949464"/>
-          </a:xfrm>
-          <a:prstGeom prst="rect">
-            <a:avLst/>
-          </a:prstGeom>
-        </p:spPr>
-      </p:pic>
       <p:sp>
         <p:nvSpPr>
           <p:cNvPr id="8" name="Title 7">
@@ -16948,13 +16079,13 @@
           <p:nvPr/>
         </p:nvPicPr>
         <p:blipFill>
-          <a:blip r:embed="rId5">
+          <a:blip r:embed="rId3">
             <a:extLst>
               <a:ext uri="{28A0092B-C50C-407E-A947-70E740481C1C}">
                 <a14:useLocalDpi xmlns:a14="http://schemas.microsoft.com/office/drawing/2010/main" val="0"/>
               </a:ext>
               <a:ext uri="{96DAC541-7B7A-43D3-8B79-37D633B846F1}">
-                <asvg:svgBlip xmlns:asvg="http://schemas.microsoft.com/office/drawing/2016/SVG/main" r:embed="rId6"/>
+                <asvg:svgBlip xmlns:asvg="http://schemas.microsoft.com/office/drawing/2016/SVG/main" r:embed="rId4"/>
               </a:ext>
             </a:extLst>
           </a:blip>
@@ -17280,21 +16411,6 @@
 <file path=ppt/slides/slide26.xml><?xml version="1.0" encoding="utf-8"?>
 <p:sld xmlns:a="http://schemas.openxmlformats.org/drawingml/2006/main" xmlns:r="http://schemas.openxmlformats.org/officeDocument/2006/relationships" xmlns:p="http://schemas.openxmlformats.org/presentationml/2006/main">
   <p:cSld>
-    <p:bg>
-      <p:bgPr>
-        <a:blipFill dpi="0" rotWithShape="1">
-          <a:blip r:embed="rId3">
-            <a:alphaModFix amt="70000"/>
-            <a:lum/>
-          </a:blip>
-          <a:srcRect/>
-          <a:stretch>
-            <a:fillRect t="-39000" b="-39000"/>
-          </a:stretch>
-        </a:blipFill>
-        <a:effectLst/>
-      </p:bgPr>
-    </p:bg>
     <p:spTree>
       <p:nvGrpSpPr>
         <p:cNvPr id="1" name=""/>
@@ -17309,42 +16425,6 @@
           <a:chExt cx="0" cy="0"/>
         </a:xfrm>
       </p:grpSpPr>
-      <p:pic>
-        <p:nvPicPr>
-          <p:cNvPr id="9" name="Picture 8">
-            <a:extLst>
-              <a:ext uri="{FF2B5EF4-FFF2-40B4-BE49-F238E27FC236}">
-                <a16:creationId xmlns:a16="http://schemas.microsoft.com/office/drawing/2014/main" id="{DF89AA1E-E77D-4509-94FF-4BEFE0691857}"/>
-              </a:ext>
-            </a:extLst>
-          </p:cNvPr>
-          <p:cNvPicPr>
-            <a:picLocks noChangeAspect="1"/>
-          </p:cNvPicPr>
-          <p:nvPr/>
-        </p:nvPicPr>
-        <p:blipFill>
-          <a:blip r:embed="rId4">
-            <a:extLst>
-              <a:ext uri="{28A0092B-C50C-407E-A947-70E740481C1C}">
-                <a14:useLocalDpi xmlns:a14="http://schemas.microsoft.com/office/drawing/2010/main" val="0"/>
-              </a:ext>
-            </a:extLst>
-          </a:blip>
-          <a:stretch>
-            <a:fillRect/>
-          </a:stretch>
-        </p:blipFill>
-        <p:spPr>
-          <a:xfrm>
-            <a:off x="171450" y="171450"/>
-            <a:ext cx="3705225" cy="949464"/>
-          </a:xfrm>
-          <a:prstGeom prst="rect">
-            <a:avLst/>
-          </a:prstGeom>
-        </p:spPr>
-      </p:pic>
       <p:sp>
         <p:nvSpPr>
           <p:cNvPr id="8" name="Title 7">
@@ -17414,13 +16494,13 @@
           <p:nvPr/>
         </p:nvPicPr>
         <p:blipFill>
-          <a:blip r:embed="rId5">
+          <a:blip r:embed="rId3">
             <a:extLst>
               <a:ext uri="{28A0092B-C50C-407E-A947-70E740481C1C}">
                 <a14:useLocalDpi xmlns:a14="http://schemas.microsoft.com/office/drawing/2010/main" val="0"/>
               </a:ext>
               <a:ext uri="{96DAC541-7B7A-43D3-8B79-37D633B846F1}">
-                <asvg:svgBlip xmlns:asvg="http://schemas.microsoft.com/office/drawing/2016/SVG/main" r:embed="rId6"/>
+                <asvg:svgBlip xmlns:asvg="http://schemas.microsoft.com/office/drawing/2016/SVG/main" r:embed="rId4"/>
               </a:ext>
             </a:extLst>
           </a:blip>
@@ -17729,21 +16809,6 @@
 <file path=ppt/slides/slide27.xml><?xml version="1.0" encoding="utf-8"?>
 <p:sld xmlns:a="http://schemas.openxmlformats.org/drawingml/2006/main" xmlns:r="http://schemas.openxmlformats.org/officeDocument/2006/relationships" xmlns:p="http://schemas.openxmlformats.org/presentationml/2006/main">
   <p:cSld>
-    <p:bg>
-      <p:bgPr>
-        <a:blipFill dpi="0" rotWithShape="1">
-          <a:blip r:embed="rId3">
-            <a:alphaModFix amt="70000"/>
-            <a:lum/>
-          </a:blip>
-          <a:srcRect/>
-          <a:stretch>
-            <a:fillRect t="-39000" b="-39000"/>
-          </a:stretch>
-        </a:blipFill>
-        <a:effectLst/>
-      </p:bgPr>
-    </p:bg>
     <p:spTree>
       <p:nvGrpSpPr>
         <p:cNvPr id="1" name=""/>
@@ -17758,42 +16823,6 @@
           <a:chExt cx="0" cy="0"/>
         </a:xfrm>
       </p:grpSpPr>
-      <p:pic>
-        <p:nvPicPr>
-          <p:cNvPr id="9" name="Picture 8">
-            <a:extLst>
-              <a:ext uri="{FF2B5EF4-FFF2-40B4-BE49-F238E27FC236}">
-                <a16:creationId xmlns:a16="http://schemas.microsoft.com/office/drawing/2014/main" id="{DF89AA1E-E77D-4509-94FF-4BEFE0691857}"/>
-              </a:ext>
-            </a:extLst>
-          </p:cNvPr>
-          <p:cNvPicPr>
-            <a:picLocks noChangeAspect="1"/>
-          </p:cNvPicPr>
-          <p:nvPr/>
-        </p:nvPicPr>
-        <p:blipFill>
-          <a:blip r:embed="rId4">
-            <a:extLst>
-              <a:ext uri="{28A0092B-C50C-407E-A947-70E740481C1C}">
-                <a14:useLocalDpi xmlns:a14="http://schemas.microsoft.com/office/drawing/2010/main" val="0"/>
-              </a:ext>
-            </a:extLst>
-          </a:blip>
-          <a:stretch>
-            <a:fillRect/>
-          </a:stretch>
-        </p:blipFill>
-        <p:spPr>
-          <a:xfrm>
-            <a:off x="171450" y="171450"/>
-            <a:ext cx="3705225" cy="949464"/>
-          </a:xfrm>
-          <a:prstGeom prst="rect">
-            <a:avLst/>
-          </a:prstGeom>
-        </p:spPr>
-      </p:pic>
       <p:sp>
         <p:nvSpPr>
           <p:cNvPr id="8" name="Title 7">
@@ -17863,13 +16892,13 @@
           <p:nvPr/>
         </p:nvPicPr>
         <p:blipFill>
-          <a:blip r:embed="rId5">
+          <a:blip r:embed="rId3">
             <a:extLst>
               <a:ext uri="{28A0092B-C50C-407E-A947-70E740481C1C}">
                 <a14:useLocalDpi xmlns:a14="http://schemas.microsoft.com/office/drawing/2010/main" val="0"/>
               </a:ext>
               <a:ext uri="{96DAC541-7B7A-43D3-8B79-37D633B846F1}">
-                <asvg:svgBlip xmlns:asvg="http://schemas.microsoft.com/office/drawing/2016/SVG/main" r:embed="rId6"/>
+                <asvg:svgBlip xmlns:asvg="http://schemas.microsoft.com/office/drawing/2016/SVG/main" r:embed="rId4"/>
               </a:ext>
             </a:extLst>
           </a:blip>
@@ -17902,7 +16931,7 @@
           <p:nvPr/>
         </p:nvPicPr>
         <p:blipFill>
-          <a:blip r:embed="rId7">
+          <a:blip r:embed="rId5">
             <a:extLst>
               <a:ext uri="{28A0092B-C50C-407E-A947-70E740481C1C}">
                 <a14:useLocalDpi xmlns:a14="http://schemas.microsoft.com/office/drawing/2010/main" val="0"/>
@@ -17939,21 +16968,6 @@
 <file path=ppt/slides/slide28.xml><?xml version="1.0" encoding="utf-8"?>
 <p:sld xmlns:a="http://schemas.openxmlformats.org/drawingml/2006/main" xmlns:r="http://schemas.openxmlformats.org/officeDocument/2006/relationships" xmlns:p="http://schemas.openxmlformats.org/presentationml/2006/main">
   <p:cSld>
-    <p:bg>
-      <p:bgPr>
-        <a:blipFill dpi="0" rotWithShape="1">
-          <a:blip r:embed="rId3">
-            <a:alphaModFix amt="70000"/>
-            <a:lum/>
-          </a:blip>
-          <a:srcRect/>
-          <a:stretch>
-            <a:fillRect t="-39000" b="-39000"/>
-          </a:stretch>
-        </a:blipFill>
-        <a:effectLst/>
-      </p:bgPr>
-    </p:bg>
     <p:spTree>
       <p:nvGrpSpPr>
         <p:cNvPr id="1" name=""/>
@@ -17968,42 +16982,6 @@
           <a:chExt cx="0" cy="0"/>
         </a:xfrm>
       </p:grpSpPr>
-      <p:pic>
-        <p:nvPicPr>
-          <p:cNvPr id="9" name="Picture 8">
-            <a:extLst>
-              <a:ext uri="{FF2B5EF4-FFF2-40B4-BE49-F238E27FC236}">
-                <a16:creationId xmlns:a16="http://schemas.microsoft.com/office/drawing/2014/main" id="{DF89AA1E-E77D-4509-94FF-4BEFE0691857}"/>
-              </a:ext>
-            </a:extLst>
-          </p:cNvPr>
-          <p:cNvPicPr>
-            <a:picLocks noChangeAspect="1"/>
-          </p:cNvPicPr>
-          <p:nvPr/>
-        </p:nvPicPr>
-        <p:blipFill>
-          <a:blip r:embed="rId4">
-            <a:extLst>
-              <a:ext uri="{28A0092B-C50C-407E-A947-70E740481C1C}">
-                <a14:useLocalDpi xmlns:a14="http://schemas.microsoft.com/office/drawing/2010/main" val="0"/>
-              </a:ext>
-            </a:extLst>
-          </a:blip>
-          <a:stretch>
-            <a:fillRect/>
-          </a:stretch>
-        </p:blipFill>
-        <p:spPr>
-          <a:xfrm>
-            <a:off x="171450" y="171450"/>
-            <a:ext cx="3705225" cy="949464"/>
-          </a:xfrm>
-          <a:prstGeom prst="rect">
-            <a:avLst/>
-          </a:prstGeom>
-        </p:spPr>
-      </p:pic>
       <p:sp>
         <p:nvSpPr>
           <p:cNvPr id="6" name="Content Placeholder 9">
@@ -18634,21 +17612,6 @@
 <file path=ppt/slides/slide29.xml><?xml version="1.0" encoding="utf-8"?>
 <p:sld xmlns:a="http://schemas.openxmlformats.org/drawingml/2006/main" xmlns:r="http://schemas.openxmlformats.org/officeDocument/2006/relationships" xmlns:p="http://schemas.openxmlformats.org/presentationml/2006/main">
   <p:cSld>
-    <p:bg>
-      <p:bgPr>
-        <a:blipFill dpi="0" rotWithShape="1">
-          <a:blip r:embed="rId3">
-            <a:alphaModFix amt="70000"/>
-            <a:lum/>
-          </a:blip>
-          <a:srcRect/>
-          <a:stretch>
-            <a:fillRect t="-39000" b="-39000"/>
-          </a:stretch>
-        </a:blipFill>
-        <a:effectLst/>
-      </p:bgPr>
-    </p:bg>
     <p:spTree>
       <p:nvGrpSpPr>
         <p:cNvPr id="1" name=""/>
@@ -18663,42 +17626,6 @@
           <a:chExt cx="0" cy="0"/>
         </a:xfrm>
       </p:grpSpPr>
-      <p:pic>
-        <p:nvPicPr>
-          <p:cNvPr id="9" name="Picture 8">
-            <a:extLst>
-              <a:ext uri="{FF2B5EF4-FFF2-40B4-BE49-F238E27FC236}">
-                <a16:creationId xmlns:a16="http://schemas.microsoft.com/office/drawing/2014/main" id="{DF89AA1E-E77D-4509-94FF-4BEFE0691857}"/>
-              </a:ext>
-            </a:extLst>
-          </p:cNvPr>
-          <p:cNvPicPr>
-            <a:picLocks noChangeAspect="1"/>
-          </p:cNvPicPr>
-          <p:nvPr/>
-        </p:nvPicPr>
-        <p:blipFill>
-          <a:blip r:embed="rId4">
-            <a:extLst>
-              <a:ext uri="{28A0092B-C50C-407E-A947-70E740481C1C}">
-                <a14:useLocalDpi xmlns:a14="http://schemas.microsoft.com/office/drawing/2010/main" val="0"/>
-              </a:ext>
-            </a:extLst>
-          </a:blip>
-          <a:stretch>
-            <a:fillRect/>
-          </a:stretch>
-        </p:blipFill>
-        <p:spPr>
-          <a:xfrm>
-            <a:off x="171450" y="171450"/>
-            <a:ext cx="3705225" cy="949464"/>
-          </a:xfrm>
-          <a:prstGeom prst="rect">
-            <a:avLst/>
-          </a:prstGeom>
-        </p:spPr>
-      </p:pic>
       <p:sp>
         <p:nvSpPr>
           <p:cNvPr id="6" name="Content Placeholder 9">
@@ -19004,21 +17931,6 @@
 <file path=ppt/slides/slide3.xml><?xml version="1.0" encoding="utf-8"?>
 <p:sld xmlns:a="http://schemas.openxmlformats.org/drawingml/2006/main" xmlns:r="http://schemas.openxmlformats.org/officeDocument/2006/relationships" xmlns:p="http://schemas.openxmlformats.org/presentationml/2006/main">
   <p:cSld>
-    <p:bg>
-      <p:bgPr>
-        <a:blipFill dpi="0" rotWithShape="1">
-          <a:blip r:embed="rId3">
-            <a:alphaModFix amt="70000"/>
-            <a:lum/>
-          </a:blip>
-          <a:srcRect/>
-          <a:stretch>
-            <a:fillRect t="-39000" b="-39000"/>
-          </a:stretch>
-        </a:blipFill>
-        <a:effectLst/>
-      </p:bgPr>
-    </p:bg>
     <p:spTree>
       <p:nvGrpSpPr>
         <p:cNvPr id="1" name=""/>
@@ -19033,42 +17945,6 @@
           <a:chExt cx="0" cy="0"/>
         </a:xfrm>
       </p:grpSpPr>
-      <p:pic>
-        <p:nvPicPr>
-          <p:cNvPr id="9" name="Picture 8">
-            <a:extLst>
-              <a:ext uri="{FF2B5EF4-FFF2-40B4-BE49-F238E27FC236}">
-                <a16:creationId xmlns:a16="http://schemas.microsoft.com/office/drawing/2014/main" id="{DF89AA1E-E77D-4509-94FF-4BEFE0691857}"/>
-              </a:ext>
-            </a:extLst>
-          </p:cNvPr>
-          <p:cNvPicPr>
-            <a:picLocks noChangeAspect="1"/>
-          </p:cNvPicPr>
-          <p:nvPr/>
-        </p:nvPicPr>
-        <p:blipFill>
-          <a:blip r:embed="rId4">
-            <a:extLst>
-              <a:ext uri="{28A0092B-C50C-407E-A947-70E740481C1C}">
-                <a14:useLocalDpi xmlns:a14="http://schemas.microsoft.com/office/drawing/2010/main" val="0"/>
-              </a:ext>
-            </a:extLst>
-          </a:blip>
-          <a:stretch>
-            <a:fillRect/>
-          </a:stretch>
-        </p:blipFill>
-        <p:spPr>
-          <a:xfrm>
-            <a:off x="171450" y="171450"/>
-            <a:ext cx="3705225" cy="949464"/>
-          </a:xfrm>
-          <a:prstGeom prst="rect">
-            <a:avLst/>
-          </a:prstGeom>
-        </p:spPr>
-      </p:pic>
       <p:sp>
         <p:nvSpPr>
           <p:cNvPr id="8" name="Title 7">
@@ -19461,21 +18337,6 @@
 <file path=ppt/slides/slide4.xml><?xml version="1.0" encoding="utf-8"?>
 <p:sld xmlns:a="http://schemas.openxmlformats.org/drawingml/2006/main" xmlns:r="http://schemas.openxmlformats.org/officeDocument/2006/relationships" xmlns:p="http://schemas.openxmlformats.org/presentationml/2006/main">
   <p:cSld>
-    <p:bg>
-      <p:bgPr>
-        <a:blipFill dpi="0" rotWithShape="1">
-          <a:blip r:embed="rId3">
-            <a:alphaModFix amt="70000"/>
-            <a:lum/>
-          </a:blip>
-          <a:srcRect/>
-          <a:stretch>
-            <a:fillRect t="-39000" b="-39000"/>
-          </a:stretch>
-        </a:blipFill>
-        <a:effectLst/>
-      </p:bgPr>
-    </p:bg>
     <p:spTree>
       <p:nvGrpSpPr>
         <p:cNvPr id="1" name=""/>
@@ -19490,42 +18351,6 @@
           <a:chExt cx="0" cy="0"/>
         </a:xfrm>
       </p:grpSpPr>
-      <p:pic>
-        <p:nvPicPr>
-          <p:cNvPr id="9" name="Picture 8">
-            <a:extLst>
-              <a:ext uri="{FF2B5EF4-FFF2-40B4-BE49-F238E27FC236}">
-                <a16:creationId xmlns:a16="http://schemas.microsoft.com/office/drawing/2014/main" id="{DF89AA1E-E77D-4509-94FF-4BEFE0691857}"/>
-              </a:ext>
-            </a:extLst>
-          </p:cNvPr>
-          <p:cNvPicPr>
-            <a:picLocks noChangeAspect="1"/>
-          </p:cNvPicPr>
-          <p:nvPr/>
-        </p:nvPicPr>
-        <p:blipFill>
-          <a:blip r:embed="rId4">
-            <a:extLst>
-              <a:ext uri="{28A0092B-C50C-407E-A947-70E740481C1C}">
-                <a14:useLocalDpi xmlns:a14="http://schemas.microsoft.com/office/drawing/2010/main" val="0"/>
-              </a:ext>
-            </a:extLst>
-          </a:blip>
-          <a:stretch>
-            <a:fillRect/>
-          </a:stretch>
-        </p:blipFill>
-        <p:spPr>
-          <a:xfrm>
-            <a:off x="171450" y="171450"/>
-            <a:ext cx="3705225" cy="949464"/>
-          </a:xfrm>
-          <a:prstGeom prst="rect">
-            <a:avLst/>
-          </a:prstGeom>
-        </p:spPr>
-      </p:pic>
       <p:sp>
         <p:nvSpPr>
           <p:cNvPr id="8" name="Title 7">
@@ -20240,21 +19065,6 @@
 <file path=ppt/slides/slide5.xml><?xml version="1.0" encoding="utf-8"?>
 <p:sld xmlns:a="http://schemas.openxmlformats.org/drawingml/2006/main" xmlns:r="http://schemas.openxmlformats.org/officeDocument/2006/relationships" xmlns:p="http://schemas.openxmlformats.org/presentationml/2006/main">
   <p:cSld>
-    <p:bg>
-      <p:bgPr>
-        <a:blipFill dpi="0" rotWithShape="1">
-          <a:blip r:embed="rId3">
-            <a:alphaModFix amt="70000"/>
-            <a:lum/>
-          </a:blip>
-          <a:srcRect/>
-          <a:stretch>
-            <a:fillRect t="-39000" b="-39000"/>
-          </a:stretch>
-        </a:blipFill>
-        <a:effectLst/>
-      </p:bgPr>
-    </p:bg>
     <p:spTree>
       <p:nvGrpSpPr>
         <p:cNvPr id="1" name=""/>
@@ -20269,42 +19079,6 @@
           <a:chExt cx="0" cy="0"/>
         </a:xfrm>
       </p:grpSpPr>
-      <p:pic>
-        <p:nvPicPr>
-          <p:cNvPr id="9" name="Picture 8">
-            <a:extLst>
-              <a:ext uri="{FF2B5EF4-FFF2-40B4-BE49-F238E27FC236}">
-                <a16:creationId xmlns:a16="http://schemas.microsoft.com/office/drawing/2014/main" id="{DF89AA1E-E77D-4509-94FF-4BEFE0691857}"/>
-              </a:ext>
-            </a:extLst>
-          </p:cNvPr>
-          <p:cNvPicPr>
-            <a:picLocks noChangeAspect="1"/>
-          </p:cNvPicPr>
-          <p:nvPr/>
-        </p:nvPicPr>
-        <p:blipFill>
-          <a:blip r:embed="rId4">
-            <a:extLst>
-              <a:ext uri="{28A0092B-C50C-407E-A947-70E740481C1C}">
-                <a14:useLocalDpi xmlns:a14="http://schemas.microsoft.com/office/drawing/2010/main" val="0"/>
-              </a:ext>
-            </a:extLst>
-          </a:blip>
-          <a:stretch>
-            <a:fillRect/>
-          </a:stretch>
-        </p:blipFill>
-        <p:spPr>
-          <a:xfrm>
-            <a:off x="171450" y="171450"/>
-            <a:ext cx="3705225" cy="949464"/>
-          </a:xfrm>
-          <a:prstGeom prst="rect">
-            <a:avLst/>
-          </a:prstGeom>
-        </p:spPr>
-      </p:pic>
       <p:sp>
         <p:nvSpPr>
           <p:cNvPr id="8" name="Title 7">
@@ -20374,13 +19148,13 @@
           <p:nvPr/>
         </p:nvPicPr>
         <p:blipFill>
-          <a:blip r:embed="rId5">
+          <a:blip r:embed="rId3">
             <a:extLst>
               <a:ext uri="{28A0092B-C50C-407E-A947-70E740481C1C}">
                 <a14:useLocalDpi xmlns:a14="http://schemas.microsoft.com/office/drawing/2010/main" val="0"/>
               </a:ext>
               <a:ext uri="{96DAC541-7B7A-43D3-8B79-37D633B846F1}">
-                <asvg:svgBlip xmlns:asvg="http://schemas.microsoft.com/office/drawing/2016/SVG/main" r:embed="rId6"/>
+                <asvg:svgBlip xmlns:asvg="http://schemas.microsoft.com/office/drawing/2016/SVG/main" r:embed="rId4"/>
               </a:ext>
             </a:extLst>
           </a:blip>
@@ -20884,21 +19658,6 @@
 <file path=ppt/slides/slide6.xml><?xml version="1.0" encoding="utf-8"?>
 <p:sld xmlns:a="http://schemas.openxmlformats.org/drawingml/2006/main" xmlns:r="http://schemas.openxmlformats.org/officeDocument/2006/relationships" xmlns:p="http://schemas.openxmlformats.org/presentationml/2006/main">
   <p:cSld>
-    <p:bg>
-      <p:bgPr>
-        <a:blipFill dpi="0" rotWithShape="1">
-          <a:blip r:embed="rId3">
-            <a:alphaModFix amt="70000"/>
-            <a:lum/>
-          </a:blip>
-          <a:srcRect/>
-          <a:stretch>
-            <a:fillRect t="-39000" b="-39000"/>
-          </a:stretch>
-        </a:blipFill>
-        <a:effectLst/>
-      </p:bgPr>
-    </p:bg>
     <p:spTree>
       <p:nvGrpSpPr>
         <p:cNvPr id="1" name=""/>
@@ -20913,42 +19672,6 @@
           <a:chExt cx="0" cy="0"/>
         </a:xfrm>
       </p:grpSpPr>
-      <p:pic>
-        <p:nvPicPr>
-          <p:cNvPr id="9" name="Picture 8">
-            <a:extLst>
-              <a:ext uri="{FF2B5EF4-FFF2-40B4-BE49-F238E27FC236}">
-                <a16:creationId xmlns:a16="http://schemas.microsoft.com/office/drawing/2014/main" id="{DF89AA1E-E77D-4509-94FF-4BEFE0691857}"/>
-              </a:ext>
-            </a:extLst>
-          </p:cNvPr>
-          <p:cNvPicPr>
-            <a:picLocks noChangeAspect="1"/>
-          </p:cNvPicPr>
-          <p:nvPr/>
-        </p:nvPicPr>
-        <p:blipFill>
-          <a:blip r:embed="rId4">
-            <a:extLst>
-              <a:ext uri="{28A0092B-C50C-407E-A947-70E740481C1C}">
-                <a14:useLocalDpi xmlns:a14="http://schemas.microsoft.com/office/drawing/2010/main" val="0"/>
-              </a:ext>
-            </a:extLst>
-          </a:blip>
-          <a:stretch>
-            <a:fillRect/>
-          </a:stretch>
-        </p:blipFill>
-        <p:spPr>
-          <a:xfrm>
-            <a:off x="171450" y="171450"/>
-            <a:ext cx="3705225" cy="949464"/>
-          </a:xfrm>
-          <a:prstGeom prst="rect">
-            <a:avLst/>
-          </a:prstGeom>
-        </p:spPr>
-      </p:pic>
       <p:sp>
         <p:nvSpPr>
           <p:cNvPr id="8" name="Title 7">
@@ -21018,13 +19741,13 @@
           <p:nvPr/>
         </p:nvPicPr>
         <p:blipFill>
-          <a:blip r:embed="rId5">
+          <a:blip r:embed="rId3">
             <a:extLst>
               <a:ext uri="{28A0092B-C50C-407E-A947-70E740481C1C}">
                 <a14:useLocalDpi xmlns:a14="http://schemas.microsoft.com/office/drawing/2010/main" val="0"/>
               </a:ext>
               <a:ext uri="{96DAC541-7B7A-43D3-8B79-37D633B846F1}">
-                <asvg:svgBlip xmlns:asvg="http://schemas.microsoft.com/office/drawing/2016/SVG/main" r:embed="rId6"/>
+                <asvg:svgBlip xmlns:asvg="http://schemas.microsoft.com/office/drawing/2016/SVG/main" r:embed="rId4"/>
               </a:ext>
             </a:extLst>
           </a:blip>
@@ -21336,21 +20059,6 @@
 <file path=ppt/slides/slide7.xml><?xml version="1.0" encoding="utf-8"?>
 <p:sld xmlns:a="http://schemas.openxmlformats.org/drawingml/2006/main" xmlns:r="http://schemas.openxmlformats.org/officeDocument/2006/relationships" xmlns:p="http://schemas.openxmlformats.org/presentationml/2006/main">
   <p:cSld>
-    <p:bg>
-      <p:bgPr>
-        <a:blipFill dpi="0" rotWithShape="1">
-          <a:blip r:embed="rId3">
-            <a:alphaModFix amt="70000"/>
-            <a:lum/>
-          </a:blip>
-          <a:srcRect/>
-          <a:stretch>
-            <a:fillRect t="-39000" b="-39000"/>
-          </a:stretch>
-        </a:blipFill>
-        <a:effectLst/>
-      </p:bgPr>
-    </p:bg>
     <p:spTree>
       <p:nvGrpSpPr>
         <p:cNvPr id="1" name=""/>
@@ -21365,42 +20073,6 @@
           <a:chExt cx="0" cy="0"/>
         </a:xfrm>
       </p:grpSpPr>
-      <p:pic>
-        <p:nvPicPr>
-          <p:cNvPr id="9" name="Picture 8">
-            <a:extLst>
-              <a:ext uri="{FF2B5EF4-FFF2-40B4-BE49-F238E27FC236}">
-                <a16:creationId xmlns:a16="http://schemas.microsoft.com/office/drawing/2014/main" id="{DF89AA1E-E77D-4509-94FF-4BEFE0691857}"/>
-              </a:ext>
-            </a:extLst>
-          </p:cNvPr>
-          <p:cNvPicPr>
-            <a:picLocks noChangeAspect="1"/>
-          </p:cNvPicPr>
-          <p:nvPr/>
-        </p:nvPicPr>
-        <p:blipFill>
-          <a:blip r:embed="rId4">
-            <a:extLst>
-              <a:ext uri="{28A0092B-C50C-407E-A947-70E740481C1C}">
-                <a14:useLocalDpi xmlns:a14="http://schemas.microsoft.com/office/drawing/2010/main" val="0"/>
-              </a:ext>
-            </a:extLst>
-          </a:blip>
-          <a:stretch>
-            <a:fillRect/>
-          </a:stretch>
-        </p:blipFill>
-        <p:spPr>
-          <a:xfrm>
-            <a:off x="171450" y="171450"/>
-            <a:ext cx="3705225" cy="949464"/>
-          </a:xfrm>
-          <a:prstGeom prst="rect">
-            <a:avLst/>
-          </a:prstGeom>
-        </p:spPr>
-      </p:pic>
       <p:sp>
         <p:nvSpPr>
           <p:cNvPr id="8" name="Title 7">
@@ -21470,13 +20142,13 @@
           <p:nvPr/>
         </p:nvPicPr>
         <p:blipFill>
-          <a:blip r:embed="rId5">
+          <a:blip r:embed="rId3">
             <a:extLst>
               <a:ext uri="{28A0092B-C50C-407E-A947-70E740481C1C}">
                 <a14:useLocalDpi xmlns:a14="http://schemas.microsoft.com/office/drawing/2010/main" val="0"/>
               </a:ext>
               <a:ext uri="{96DAC541-7B7A-43D3-8B79-37D633B846F1}">
-                <asvg:svgBlip xmlns:asvg="http://schemas.microsoft.com/office/drawing/2016/SVG/main" r:embed="rId6"/>
+                <asvg:svgBlip xmlns:asvg="http://schemas.microsoft.com/office/drawing/2016/SVG/main" r:embed="rId4"/>
               </a:ext>
             </a:extLst>
           </a:blip>
@@ -21777,21 +20449,6 @@
 <file path=ppt/slides/slide8.xml><?xml version="1.0" encoding="utf-8"?>
 <p:sld xmlns:a="http://schemas.openxmlformats.org/drawingml/2006/main" xmlns:r="http://schemas.openxmlformats.org/officeDocument/2006/relationships" xmlns:p="http://schemas.openxmlformats.org/presentationml/2006/main">
   <p:cSld>
-    <p:bg>
-      <p:bgPr>
-        <a:blipFill dpi="0" rotWithShape="1">
-          <a:blip r:embed="rId3">
-            <a:alphaModFix amt="70000"/>
-            <a:lum/>
-          </a:blip>
-          <a:srcRect/>
-          <a:stretch>
-            <a:fillRect t="-39000" b="-39000"/>
-          </a:stretch>
-        </a:blipFill>
-        <a:effectLst/>
-      </p:bgPr>
-    </p:bg>
     <p:spTree>
       <p:nvGrpSpPr>
         <p:cNvPr id="1" name=""/>
@@ -21806,42 +20463,6 @@
           <a:chExt cx="0" cy="0"/>
         </a:xfrm>
       </p:grpSpPr>
-      <p:pic>
-        <p:nvPicPr>
-          <p:cNvPr id="9" name="Picture 8">
-            <a:extLst>
-              <a:ext uri="{FF2B5EF4-FFF2-40B4-BE49-F238E27FC236}">
-                <a16:creationId xmlns:a16="http://schemas.microsoft.com/office/drawing/2014/main" id="{DF89AA1E-E77D-4509-94FF-4BEFE0691857}"/>
-              </a:ext>
-            </a:extLst>
-          </p:cNvPr>
-          <p:cNvPicPr>
-            <a:picLocks noChangeAspect="1"/>
-          </p:cNvPicPr>
-          <p:nvPr/>
-        </p:nvPicPr>
-        <p:blipFill>
-          <a:blip r:embed="rId4">
-            <a:extLst>
-              <a:ext uri="{28A0092B-C50C-407E-A947-70E740481C1C}">
-                <a14:useLocalDpi xmlns:a14="http://schemas.microsoft.com/office/drawing/2010/main" val="0"/>
-              </a:ext>
-            </a:extLst>
-          </a:blip>
-          <a:stretch>
-            <a:fillRect/>
-          </a:stretch>
-        </p:blipFill>
-        <p:spPr>
-          <a:xfrm>
-            <a:off x="171450" y="171450"/>
-            <a:ext cx="3705225" cy="949464"/>
-          </a:xfrm>
-          <a:prstGeom prst="rect">
-            <a:avLst/>
-          </a:prstGeom>
-        </p:spPr>
-      </p:pic>
       <p:sp>
         <p:nvSpPr>
           <p:cNvPr id="8" name="Title 7">
@@ -21911,13 +20532,13 @@
           <p:nvPr/>
         </p:nvPicPr>
         <p:blipFill>
-          <a:blip r:embed="rId5">
+          <a:blip r:embed="rId3">
             <a:extLst>
               <a:ext uri="{28A0092B-C50C-407E-A947-70E740481C1C}">
                 <a14:useLocalDpi xmlns:a14="http://schemas.microsoft.com/office/drawing/2010/main" val="0"/>
               </a:ext>
               <a:ext uri="{96DAC541-7B7A-43D3-8B79-37D633B846F1}">
-                <asvg:svgBlip xmlns:asvg="http://schemas.microsoft.com/office/drawing/2016/SVG/main" r:embed="rId6"/>
+                <asvg:svgBlip xmlns:asvg="http://schemas.microsoft.com/office/drawing/2016/SVG/main" r:embed="rId4"/>
               </a:ext>
             </a:extLst>
           </a:blip>
@@ -22012,21 +20633,6 @@
 <file path=ppt/slides/slide9.xml><?xml version="1.0" encoding="utf-8"?>
 <p:sld xmlns:a="http://schemas.openxmlformats.org/drawingml/2006/main" xmlns:r="http://schemas.openxmlformats.org/officeDocument/2006/relationships" xmlns:p="http://schemas.openxmlformats.org/presentationml/2006/main">
   <p:cSld>
-    <p:bg>
-      <p:bgPr>
-        <a:blipFill dpi="0" rotWithShape="1">
-          <a:blip r:embed="rId3">
-            <a:alphaModFix amt="70000"/>
-            <a:lum/>
-          </a:blip>
-          <a:srcRect/>
-          <a:stretch>
-            <a:fillRect t="-39000" b="-39000"/>
-          </a:stretch>
-        </a:blipFill>
-        <a:effectLst/>
-      </p:bgPr>
-    </p:bg>
     <p:spTree>
       <p:nvGrpSpPr>
         <p:cNvPr id="1" name=""/>
@@ -22041,42 +20647,6 @@
           <a:chExt cx="0" cy="0"/>
         </a:xfrm>
       </p:grpSpPr>
-      <p:pic>
-        <p:nvPicPr>
-          <p:cNvPr id="9" name="Picture 8">
-            <a:extLst>
-              <a:ext uri="{FF2B5EF4-FFF2-40B4-BE49-F238E27FC236}">
-                <a16:creationId xmlns:a16="http://schemas.microsoft.com/office/drawing/2014/main" id="{DF89AA1E-E77D-4509-94FF-4BEFE0691857}"/>
-              </a:ext>
-            </a:extLst>
-          </p:cNvPr>
-          <p:cNvPicPr>
-            <a:picLocks noChangeAspect="1"/>
-          </p:cNvPicPr>
-          <p:nvPr/>
-        </p:nvPicPr>
-        <p:blipFill>
-          <a:blip r:embed="rId4">
-            <a:extLst>
-              <a:ext uri="{28A0092B-C50C-407E-A947-70E740481C1C}">
-                <a14:useLocalDpi xmlns:a14="http://schemas.microsoft.com/office/drawing/2010/main" val="0"/>
-              </a:ext>
-            </a:extLst>
-          </a:blip>
-          <a:stretch>
-            <a:fillRect/>
-          </a:stretch>
-        </p:blipFill>
-        <p:spPr>
-          <a:xfrm>
-            <a:off x="171450" y="171450"/>
-            <a:ext cx="3705225" cy="949464"/>
-          </a:xfrm>
-          <a:prstGeom prst="rect">
-            <a:avLst/>
-          </a:prstGeom>
-        </p:spPr>
-      </p:pic>
       <p:sp>
         <p:nvSpPr>
           <p:cNvPr id="8" name="Title 7">
@@ -22146,13 +20716,13 @@
           <p:nvPr/>
         </p:nvPicPr>
         <p:blipFill>
-          <a:blip r:embed="rId5">
+          <a:blip r:embed="rId3">
             <a:extLst>
               <a:ext uri="{28A0092B-C50C-407E-A947-70E740481C1C}">
                 <a14:useLocalDpi xmlns:a14="http://schemas.microsoft.com/office/drawing/2010/main" val="0"/>
               </a:ext>
               <a:ext uri="{96DAC541-7B7A-43D3-8B79-37D633B846F1}">
-                <asvg:svgBlip xmlns:asvg="http://schemas.microsoft.com/office/drawing/2016/SVG/main" r:embed="rId6"/>
+                <asvg:svgBlip xmlns:asvg="http://schemas.microsoft.com/office/drawing/2016/SVG/main" r:embed="rId4"/>
               </a:ext>
             </a:extLst>
           </a:blip>
@@ -23024,4 +21594,10 @@
     </a:ext>
   </a:extLst>
 </a:theme>
+</file>
+
+<file path=docMetadata/LabelInfo.xml><?xml version="1.0" encoding="utf-8"?>
+<clbl:labelList xmlns:clbl="http://schemas.microsoft.com/office/2020/mipLabelMetadata">
+  <clbl:label id="{6ade84ad-3c6b-4480-bb7a-7694e5cb1e58}" enabled="1" method="Standard" siteId="{b1a6616c-9473-4cab-82b6-b6affeed3e12}" contentBits="0" removed="0"/>
+</clbl:labelList>
 </file>